--- a/docs/part1ca/10_Exceptions/CA_Lecture_10.pptx
+++ b/docs/part1ca/10_Exceptions/CA_Lecture_10.pptx
@@ -136,7 +136,7 @@
   </p:defaultTextStyle>
   <p:extLst>
     <p:ext uri="{EFAFB233-063F-42B5-8137-9DF3F51BA10A}">
-      <p15:sldGuideLst xmlns:p15="http://schemas.microsoft.com/office/powerpoint/2012/main">
+      <p15:sldGuideLst xmlns:p15="http://schemas.microsoft.com/office/powerpoint/2012/main" xmlns="">
         <p15:guide id="1" orient="horz" pos="2160">
           <p15:clr>
             <a:srgbClr val="A4A3A4"/>
@@ -150,7 +150,7 @@
       </p15:sldGuideLst>
     </p:ext>
     <p:ext uri="{2D200454-40CA-4A62-9FC3-DE9A4176ACB9}">
-      <p15:notesGuideLst xmlns:p15="http://schemas.microsoft.com/office/powerpoint/2012/main">
+      <p15:notesGuideLst xmlns:p15="http://schemas.microsoft.com/office/powerpoint/2012/main" xmlns="">
         <p15:guide id="1" orient="horz" pos="2880">
           <p15:clr>
             <a:srgbClr val="A4A3A4"/>
@@ -334,7 +334,7 @@
     </p:spTree>
     <p:extLst>
       <p:ext uri="{BB962C8B-B14F-4D97-AF65-F5344CB8AC3E}">
-        <p14:creationId xmlns:p14="http://schemas.microsoft.com/office/powerpoint/2010/main" val="827279973"/>
+        <p14:creationId xmlns:p14="http://schemas.microsoft.com/office/powerpoint/2010/main" xmlns="" val="827279973"/>
       </p:ext>
     </p:extLst>
   </p:cSld>
@@ -595,7 +595,7 @@
     </p:spTree>
     <p:extLst>
       <p:ext uri="{BB962C8B-B14F-4D97-AF65-F5344CB8AC3E}">
-        <p14:creationId xmlns:p14="http://schemas.microsoft.com/office/powerpoint/2010/main" val="3865021395"/>
+        <p14:creationId xmlns:p14="http://schemas.microsoft.com/office/powerpoint/2010/main" xmlns="" val="3865021395"/>
       </p:ext>
     </p:extLst>
   </p:cSld>
@@ -809,7 +809,7 @@
     </p:spTree>
     <p:extLst>
       <p:ext uri="{BB962C8B-B14F-4D97-AF65-F5344CB8AC3E}">
-        <p14:creationId xmlns:p14="http://schemas.microsoft.com/office/powerpoint/2010/main" val="2381791527"/>
+        <p14:creationId xmlns:p14="http://schemas.microsoft.com/office/powerpoint/2010/main" xmlns="" val="2381791527"/>
       </p:ext>
     </p:extLst>
   </p:cSld>
@@ -932,7 +932,7 @@
     </p:spTree>
     <p:extLst>
       <p:ext uri="{BB962C8B-B14F-4D97-AF65-F5344CB8AC3E}">
-        <p14:creationId xmlns:p14="http://schemas.microsoft.com/office/powerpoint/2010/main" val="242208635"/>
+        <p14:creationId xmlns:p14="http://schemas.microsoft.com/office/powerpoint/2010/main" xmlns="" val="242208635"/>
       </p:ext>
     </p:extLst>
   </p:cSld>
@@ -1192,7 +1192,7 @@
     </p:spTree>
     <p:extLst>
       <p:ext uri="{BB962C8B-B14F-4D97-AF65-F5344CB8AC3E}">
-        <p14:creationId xmlns:p14="http://schemas.microsoft.com/office/powerpoint/2010/main" val="322455162"/>
+        <p14:creationId xmlns:p14="http://schemas.microsoft.com/office/powerpoint/2010/main" xmlns="" val="322455162"/>
       </p:ext>
     </p:extLst>
   </p:cSld>
@@ -1366,7 +1366,7 @@
     </p:spTree>
     <p:extLst>
       <p:ext uri="{BB962C8B-B14F-4D97-AF65-F5344CB8AC3E}">
-        <p14:creationId xmlns:p14="http://schemas.microsoft.com/office/powerpoint/2010/main" val="971117636"/>
+        <p14:creationId xmlns:p14="http://schemas.microsoft.com/office/powerpoint/2010/main" xmlns="" val="971117636"/>
       </p:ext>
     </p:extLst>
   </p:cSld>
@@ -1543,7 +1543,7 @@
     </p:spTree>
     <p:extLst>
       <p:ext uri="{BB962C8B-B14F-4D97-AF65-F5344CB8AC3E}">
-        <p14:creationId xmlns:p14="http://schemas.microsoft.com/office/powerpoint/2010/main" val="3348877825"/>
+        <p14:creationId xmlns:p14="http://schemas.microsoft.com/office/powerpoint/2010/main" xmlns="" val="3348877825"/>
       </p:ext>
     </p:extLst>
   </p:cSld>
@@ -1868,7 +1868,7 @@
     </p:spTree>
     <p:extLst>
       <p:ext uri="{BB962C8B-B14F-4D97-AF65-F5344CB8AC3E}">
-        <p14:creationId xmlns:p14="http://schemas.microsoft.com/office/powerpoint/2010/main" val="3256953994"/>
+        <p14:creationId xmlns:p14="http://schemas.microsoft.com/office/powerpoint/2010/main" xmlns="" val="3256953994"/>
       </p:ext>
     </p:extLst>
   </p:cSld>
@@ -2118,7 +2118,7 @@
     </p:spTree>
     <p:extLst>
       <p:ext uri="{BB962C8B-B14F-4D97-AF65-F5344CB8AC3E}">
-        <p14:creationId xmlns:p14="http://schemas.microsoft.com/office/powerpoint/2010/main" val="3067076846"/>
+        <p14:creationId xmlns:p14="http://schemas.microsoft.com/office/powerpoint/2010/main" xmlns="" val="3067076846"/>
       </p:ext>
     </p:extLst>
   </p:cSld>
@@ -2354,7 +2354,7 @@
     </p:spTree>
     <p:extLst>
       <p:ext uri="{BB962C8B-B14F-4D97-AF65-F5344CB8AC3E}">
-        <p14:creationId xmlns:p14="http://schemas.microsoft.com/office/powerpoint/2010/main" val="3710015975"/>
+        <p14:creationId xmlns:p14="http://schemas.microsoft.com/office/powerpoint/2010/main" xmlns="" val="3710015975"/>
       </p:ext>
     </p:extLst>
   </p:cSld>
@@ -2725,7 +2725,7 @@
     </p:spTree>
     <p:extLst>
       <p:ext uri="{BB962C8B-B14F-4D97-AF65-F5344CB8AC3E}">
-        <p14:creationId xmlns:p14="http://schemas.microsoft.com/office/powerpoint/2010/main" val="4075590966"/>
+        <p14:creationId xmlns:p14="http://schemas.microsoft.com/office/powerpoint/2010/main" xmlns="" val="4075590966"/>
       </p:ext>
     </p:extLst>
   </p:cSld>
@@ -2847,7 +2847,7 @@
     </p:spTree>
     <p:extLst>
       <p:ext uri="{BB962C8B-B14F-4D97-AF65-F5344CB8AC3E}">
-        <p14:creationId xmlns:p14="http://schemas.microsoft.com/office/powerpoint/2010/main" val="2889604898"/>
+        <p14:creationId xmlns:p14="http://schemas.microsoft.com/office/powerpoint/2010/main" xmlns="" val="2889604898"/>
       </p:ext>
     </p:extLst>
   </p:cSld>
@@ -2946,7 +2946,7 @@
     </p:spTree>
     <p:extLst>
       <p:ext uri="{BB962C8B-B14F-4D97-AF65-F5344CB8AC3E}">
-        <p14:creationId xmlns:p14="http://schemas.microsoft.com/office/powerpoint/2010/main" val="152384765"/>
+        <p14:creationId xmlns:p14="http://schemas.microsoft.com/office/powerpoint/2010/main" xmlns="" val="152384765"/>
       </p:ext>
     </p:extLst>
   </p:cSld>
@@ -3227,7 +3227,7 @@
     </p:spTree>
     <p:extLst>
       <p:ext uri="{BB962C8B-B14F-4D97-AF65-F5344CB8AC3E}">
-        <p14:creationId xmlns:p14="http://schemas.microsoft.com/office/powerpoint/2010/main" val="2127791886"/>
+        <p14:creationId xmlns:p14="http://schemas.microsoft.com/office/powerpoint/2010/main" xmlns="" val="2127791886"/>
       </p:ext>
     </p:extLst>
   </p:cSld>
@@ -3484,7 +3484,7 @@
     </p:spTree>
     <p:extLst>
       <p:ext uri="{BB962C8B-B14F-4D97-AF65-F5344CB8AC3E}">
-        <p14:creationId xmlns:p14="http://schemas.microsoft.com/office/powerpoint/2010/main" val="1752705130"/>
+        <p14:creationId xmlns:p14="http://schemas.microsoft.com/office/powerpoint/2010/main" xmlns="" val="1752705130"/>
       </p:ext>
     </p:extLst>
   </p:cSld>
@@ -3737,7 +3737,7 @@
     </p:spTree>
     <p:extLst>
       <p:ext uri="{BB962C8B-B14F-4D97-AF65-F5344CB8AC3E}">
-        <p14:creationId xmlns:p14="http://schemas.microsoft.com/office/powerpoint/2010/main" val="968833914"/>
+        <p14:creationId xmlns:p14="http://schemas.microsoft.com/office/powerpoint/2010/main" xmlns="" val="968833914"/>
       </p:ext>
     </p:extLst>
   </p:cSld>
@@ -4103,15 +4103,27 @@
             </a:br>
             <a:r>
               <a:rPr lang="en-US" b="1" dirty="0" smtClean="0"/>
-              <a:t>Lecture </a:t>
+              <a:t>Lecture 10</a:t>
+            </a:r>
+            <a:r>
+              <a:rPr lang="en-US" b="1" smtClean="0"/>
+              <a:t>: </a:t>
+            </a:r>
+            <a:r>
+              <a:rPr lang="en-US" b="1" smtClean="0"/>
+              <a:t>Exceptions</a:t>
+            </a:r>
+            <a:r>
+              <a:rPr lang="en-US" b="1" smtClean="0"/>
+              <a:t>. </a:t>
+            </a:r>
+            <a:r>
+              <a:rPr lang="en-US" b="1" smtClean="0"/>
+              <a:t>Multiple </a:t>
             </a:r>
             <a:r>
               <a:rPr lang="en-US" b="1" dirty="0" smtClean="0"/>
-              <a:t>10: Processor. Multiple Issue. </a:t>
-            </a:r>
-            <a:r>
-              <a:rPr lang="en-US" b="1" dirty="0" smtClean="0"/>
-              <a:t>Exceptions.</a:t>
+              <a:t>Issue. </a:t>
             </a:r>
             <a:endParaRPr lang="ru-RU" b="1" dirty="0"/>
           </a:p>
@@ -4214,7 +4226,7 @@
     </p:spTree>
     <p:extLst>
       <p:ext uri="{BB962C8B-B14F-4D97-AF65-F5344CB8AC3E}">
-        <p14:creationId xmlns:p14="http://schemas.microsoft.com/office/powerpoint/2010/main" val="2492894732"/>
+        <p14:creationId xmlns:p14="http://schemas.microsoft.com/office/powerpoint/2010/main" xmlns="" val="2492894732"/>
       </p:ext>
     </p:extLst>
   </p:cSld>
@@ -4387,7 +4399,7 @@
     </p:spTree>
     <p:extLst>
       <p:ext uri="{BB962C8B-B14F-4D97-AF65-F5344CB8AC3E}">
-        <p14:creationId xmlns:p14="http://schemas.microsoft.com/office/powerpoint/2010/main" val="2471527286"/>
+        <p14:creationId xmlns:p14="http://schemas.microsoft.com/office/powerpoint/2010/main" xmlns="" val="2471527286"/>
       </p:ext>
     </p:extLst>
   </p:cSld>
@@ -4551,7 +4563,7 @@
     </p:spTree>
     <p:extLst>
       <p:ext uri="{BB962C8B-B14F-4D97-AF65-F5344CB8AC3E}">
-        <p14:creationId xmlns:p14="http://schemas.microsoft.com/office/powerpoint/2010/main" val="1945192537"/>
+        <p14:creationId xmlns:p14="http://schemas.microsoft.com/office/powerpoint/2010/main" xmlns="" val="1945192537"/>
       </p:ext>
     </p:extLst>
   </p:cSld>
@@ -4750,7 +4762,7 @@
     </p:spTree>
     <p:extLst>
       <p:ext uri="{BB962C8B-B14F-4D97-AF65-F5344CB8AC3E}">
-        <p14:creationId xmlns:p14="http://schemas.microsoft.com/office/powerpoint/2010/main" val="4113388443"/>
+        <p14:creationId xmlns:p14="http://schemas.microsoft.com/office/powerpoint/2010/main" xmlns="" val="4113388443"/>
       </p:ext>
     </p:extLst>
   </p:cSld>
@@ -4909,7 +4921,7 @@
     </p:spTree>
     <p:extLst>
       <p:ext uri="{BB962C8B-B14F-4D97-AF65-F5344CB8AC3E}">
-        <p14:creationId xmlns:p14="http://schemas.microsoft.com/office/powerpoint/2010/main" val="3238654069"/>
+        <p14:creationId xmlns:p14="http://schemas.microsoft.com/office/powerpoint/2010/main" xmlns="" val="3238654069"/>
       </p:ext>
     </p:extLst>
   </p:cSld>
@@ -5137,7 +5149,7 @@
     </p:spTree>
     <p:extLst>
       <p:ext uri="{BB962C8B-B14F-4D97-AF65-F5344CB8AC3E}">
-        <p14:creationId xmlns:p14="http://schemas.microsoft.com/office/powerpoint/2010/main" val="210899378"/>
+        <p14:creationId xmlns:p14="http://schemas.microsoft.com/office/powerpoint/2010/main" xmlns="" val="210899378"/>
       </p:ext>
     </p:extLst>
   </p:cSld>
@@ -5320,7 +5332,7 @@
     </p:spTree>
     <p:extLst>
       <p:ext uri="{BB962C8B-B14F-4D97-AF65-F5344CB8AC3E}">
-        <p14:creationId xmlns:p14="http://schemas.microsoft.com/office/powerpoint/2010/main" val="2150303579"/>
+        <p14:creationId xmlns:p14="http://schemas.microsoft.com/office/powerpoint/2010/main" xmlns="" val="2150303579"/>
       </p:ext>
     </p:extLst>
   </p:cSld>
@@ -5509,7 +5521,7 @@
     </p:spTree>
     <p:extLst>
       <p:ext uri="{BB962C8B-B14F-4D97-AF65-F5344CB8AC3E}">
-        <p14:creationId xmlns:p14="http://schemas.microsoft.com/office/powerpoint/2010/main" val="513492954"/>
+        <p14:creationId xmlns:p14="http://schemas.microsoft.com/office/powerpoint/2010/main" xmlns="" val="513492954"/>
       </p:ext>
     </p:extLst>
   </p:cSld>
@@ -5700,7 +5712,7 @@
     </p:spTree>
     <p:extLst>
       <p:ext uri="{BB962C8B-B14F-4D97-AF65-F5344CB8AC3E}">
-        <p14:creationId xmlns:p14="http://schemas.microsoft.com/office/powerpoint/2010/main" val="2096200767"/>
+        <p14:creationId xmlns:p14="http://schemas.microsoft.com/office/powerpoint/2010/main" xmlns="" val="2096200767"/>
       </p:ext>
     </p:extLst>
   </p:cSld>
@@ -5853,7 +5865,7 @@
           <p:nvPr>
             <p:extLst>
               <p:ext uri="{D42A27DB-BD31-4B8C-83A1-F6EECF244321}">
-                <p14:modId xmlns:p14="http://schemas.microsoft.com/office/powerpoint/2010/main" val="3417825829"/>
+                <p14:modId xmlns:p14="http://schemas.microsoft.com/office/powerpoint/2010/main" xmlns="" val="3417825829"/>
               </p:ext>
             </p:extLst>
           </p:nvPr>
@@ -11160,7 +11172,7 @@
     </p:spTree>
     <p:extLst>
       <p:ext uri="{BB962C8B-B14F-4D97-AF65-F5344CB8AC3E}">
-        <p14:creationId xmlns:p14="http://schemas.microsoft.com/office/powerpoint/2010/main" val="3101194229"/>
+        <p14:creationId xmlns:p14="http://schemas.microsoft.com/office/powerpoint/2010/main" xmlns="" val="3101194229"/>
       </p:ext>
     </p:extLst>
   </p:cSld>
@@ -11351,7 +11363,7 @@
     </p:spTree>
     <p:extLst>
       <p:ext uri="{BB962C8B-B14F-4D97-AF65-F5344CB8AC3E}">
-        <p14:creationId xmlns:p14="http://schemas.microsoft.com/office/powerpoint/2010/main" val="3972697766"/>
+        <p14:creationId xmlns:p14="http://schemas.microsoft.com/office/powerpoint/2010/main" xmlns="" val="3972697766"/>
       </p:ext>
     </p:extLst>
   </p:cSld>
@@ -11522,7 +11534,7 @@
     </p:spTree>
     <p:extLst>
       <p:ext uri="{BB962C8B-B14F-4D97-AF65-F5344CB8AC3E}">
-        <p14:creationId xmlns:p14="http://schemas.microsoft.com/office/powerpoint/2010/main" val="3257289386"/>
+        <p14:creationId xmlns:p14="http://schemas.microsoft.com/office/powerpoint/2010/main" xmlns="" val="3257289386"/>
       </p:ext>
     </p:extLst>
   </p:cSld>
@@ -11772,7 +11784,7 @@
     </p:spTree>
     <p:extLst>
       <p:ext uri="{BB962C8B-B14F-4D97-AF65-F5344CB8AC3E}">
-        <p14:creationId xmlns:p14="http://schemas.microsoft.com/office/powerpoint/2010/main" val="3030685176"/>
+        <p14:creationId xmlns:p14="http://schemas.microsoft.com/office/powerpoint/2010/main" xmlns="" val="3030685176"/>
       </p:ext>
     </p:extLst>
   </p:cSld>
@@ -11955,7 +11967,7 @@
     </p:spTree>
     <p:extLst>
       <p:ext uri="{BB962C8B-B14F-4D97-AF65-F5344CB8AC3E}">
-        <p14:creationId xmlns:p14="http://schemas.microsoft.com/office/powerpoint/2010/main" val="3589277410"/>
+        <p14:creationId xmlns:p14="http://schemas.microsoft.com/office/powerpoint/2010/main" xmlns="" val="3589277410"/>
       </p:ext>
     </p:extLst>
   </p:cSld>
@@ -12113,7 +12125,7 @@
           </a:ln>
           <a:extLst>
             <a:ext uri="{909E8E84-426E-40DD-AFC4-6F175D3DCCD1}">
-              <a14:hiddenFill xmlns:a14="http://schemas.microsoft.com/office/drawing/2010/main">
+              <a14:hiddenFill xmlns:a14="http://schemas.microsoft.com/office/drawing/2010/main" xmlns="">
                 <a:solidFill>
                   <a:srgbClr val="FFFFFF"/>
                 </a:solidFill>
@@ -12212,7 +12224,7 @@
           </a:ln>
           <a:extLst>
             <a:ext uri="{909E8E84-426E-40DD-AFC4-6F175D3DCCD1}">
-              <a14:hiddenFill xmlns:a14="http://schemas.microsoft.com/office/drawing/2010/main">
+              <a14:hiddenFill xmlns:a14="http://schemas.microsoft.com/office/drawing/2010/main" xmlns="">
                 <a:solidFill>
                   <a:srgbClr val="FFFFFF"/>
                 </a:solidFill>
@@ -12252,7 +12264,7 @@
           </a:ln>
           <a:extLst>
             <a:ext uri="{91240B29-F687-4F45-9708-019B960494DF}">
-              <a14:hiddenLine xmlns:a14="http://schemas.microsoft.com/office/drawing/2010/main" w="9525" algn="ctr">
+              <a14:hiddenLine xmlns:a14="http://schemas.microsoft.com/office/drawing/2010/main" xmlns="" w="9525" algn="ctr">
                 <a:solidFill>
                   <a:srgbClr val="000000"/>
                 </a:solidFill>
@@ -12455,10 +12467,10 @@
           <p:nvPr/>
         </p:nvPicPr>
         <p:blipFill>
-          <a:blip r:embed="rId2">
+          <a:blip r:embed="rId2" cstate="print">
             <a:extLst>
               <a:ext uri="{28A0092B-C50C-407E-A947-70E740481C1C}">
-                <a14:useLocalDpi xmlns:a14="http://schemas.microsoft.com/office/drawing/2010/main" val="0"/>
+                <a14:useLocalDpi xmlns:a14="http://schemas.microsoft.com/office/drawing/2010/main" xmlns="" val="0"/>
               </a:ext>
             </a:extLst>
           </a:blip>
@@ -12481,14 +12493,14 @@
           </a:ln>
           <a:extLst>
             <a:ext uri="{909E8E84-426E-40DD-AFC4-6F175D3DCCD1}">
-              <a14:hiddenFill xmlns:a14="http://schemas.microsoft.com/office/drawing/2010/main">
+              <a14:hiddenFill xmlns:a14="http://schemas.microsoft.com/office/drawing/2010/main" xmlns="">
                 <a:solidFill>
                   <a:srgbClr val="FFFFFF"/>
                 </a:solidFill>
               </a14:hiddenFill>
             </a:ext>
             <a:ext uri="{91240B29-F687-4F45-9708-019B960494DF}">
-              <a14:hiddenLine xmlns:a14="http://schemas.microsoft.com/office/drawing/2010/main" w="9525">
+              <a14:hiddenLine xmlns:a14="http://schemas.microsoft.com/office/drawing/2010/main" xmlns="" w="9525">
                 <a:solidFill>
                   <a:srgbClr val="000000"/>
                 </a:solidFill>
@@ -13598,7 +13610,7 @@
     </p:spTree>
     <p:extLst>
       <p:ext uri="{BB962C8B-B14F-4D97-AF65-F5344CB8AC3E}">
-        <p14:creationId xmlns:p14="http://schemas.microsoft.com/office/powerpoint/2010/main" val="3876482859"/>
+        <p14:creationId xmlns:p14="http://schemas.microsoft.com/office/powerpoint/2010/main" xmlns="" val="3876482859"/>
       </p:ext>
     </p:extLst>
   </p:cSld>
@@ -13761,7 +13773,7 @@
     </p:spTree>
     <p:extLst>
       <p:ext uri="{BB962C8B-B14F-4D97-AF65-F5344CB8AC3E}">
-        <p14:creationId xmlns:p14="http://schemas.microsoft.com/office/powerpoint/2010/main" val="1046010497"/>
+        <p14:creationId xmlns:p14="http://schemas.microsoft.com/office/powerpoint/2010/main" xmlns="" val="1046010497"/>
       </p:ext>
     </p:extLst>
   </p:cSld>
@@ -13945,7 +13957,7 @@
     </p:spTree>
     <p:extLst>
       <p:ext uri="{BB962C8B-B14F-4D97-AF65-F5344CB8AC3E}">
-        <p14:creationId xmlns:p14="http://schemas.microsoft.com/office/powerpoint/2010/main" val="837550269"/>
+        <p14:creationId xmlns:p14="http://schemas.microsoft.com/office/powerpoint/2010/main" xmlns="" val="837550269"/>
       </p:ext>
     </p:extLst>
   </p:cSld>
@@ -14463,7 +14475,7 @@
     </p:spTree>
     <p:extLst>
       <p:ext uri="{BB962C8B-B14F-4D97-AF65-F5344CB8AC3E}">
-        <p14:creationId xmlns:p14="http://schemas.microsoft.com/office/powerpoint/2010/main" val="2830349836"/>
+        <p14:creationId xmlns:p14="http://schemas.microsoft.com/office/powerpoint/2010/main" xmlns="" val="2830349836"/>
       </p:ext>
     </p:extLst>
   </p:cSld>
@@ -14632,7 +14644,7 @@
     </p:spTree>
     <p:extLst>
       <p:ext uri="{BB962C8B-B14F-4D97-AF65-F5344CB8AC3E}">
-        <p14:creationId xmlns:p14="http://schemas.microsoft.com/office/powerpoint/2010/main" val="1430788086"/>
+        <p14:creationId xmlns:p14="http://schemas.microsoft.com/office/powerpoint/2010/main" xmlns="" val="1430788086"/>
       </p:ext>
     </p:extLst>
   </p:cSld>
@@ -14811,7 +14823,7 @@
     </p:spTree>
     <p:extLst>
       <p:ext uri="{BB962C8B-B14F-4D97-AF65-F5344CB8AC3E}">
-        <p14:creationId xmlns:p14="http://schemas.microsoft.com/office/powerpoint/2010/main" val="2503487888"/>
+        <p14:creationId xmlns:p14="http://schemas.microsoft.com/office/powerpoint/2010/main" xmlns="" val="2503487888"/>
       </p:ext>
     </p:extLst>
   </p:cSld>
@@ -14971,7 +14983,7 @@
     </p:spTree>
     <p:extLst>
       <p:ext uri="{BB962C8B-B14F-4D97-AF65-F5344CB8AC3E}">
-        <p14:creationId xmlns:p14="http://schemas.microsoft.com/office/powerpoint/2010/main" val="1830975178"/>
+        <p14:creationId xmlns:p14="http://schemas.microsoft.com/office/powerpoint/2010/main" xmlns="" val="1830975178"/>
       </p:ext>
     </p:extLst>
   </p:cSld>
@@ -15161,7 +15173,7 @@
     </p:spTree>
     <p:extLst>
       <p:ext uri="{BB962C8B-B14F-4D97-AF65-F5344CB8AC3E}">
-        <p14:creationId xmlns:p14="http://schemas.microsoft.com/office/powerpoint/2010/main" val="3746407039"/>
+        <p14:creationId xmlns:p14="http://schemas.microsoft.com/office/powerpoint/2010/main" xmlns="" val="3746407039"/>
       </p:ext>
     </p:extLst>
   </p:cSld>
@@ -15245,10 +15257,10 @@
           <p:nvPr/>
         </p:nvPicPr>
         <p:blipFill>
-          <a:blip r:embed="rId2">
+          <a:blip r:embed="rId2" cstate="print">
             <a:extLst>
               <a:ext uri="{28A0092B-C50C-407E-A947-70E740481C1C}">
-                <a14:useLocalDpi xmlns:a14="http://schemas.microsoft.com/office/drawing/2010/main" val="0"/>
+                <a14:useLocalDpi xmlns:a14="http://schemas.microsoft.com/office/drawing/2010/main" xmlns="" val="0"/>
               </a:ext>
             </a:extLst>
           </a:blip>
@@ -15271,14 +15283,14 @@
           </a:ln>
           <a:extLst>
             <a:ext uri="{909E8E84-426E-40DD-AFC4-6F175D3DCCD1}">
-              <a14:hiddenFill xmlns:a14="http://schemas.microsoft.com/office/drawing/2010/main">
+              <a14:hiddenFill xmlns:a14="http://schemas.microsoft.com/office/drawing/2010/main" xmlns="">
                 <a:solidFill>
                   <a:srgbClr val="FFFFFF"/>
                 </a:solidFill>
               </a14:hiddenFill>
             </a:ext>
             <a:ext uri="{91240B29-F687-4F45-9708-019B960494DF}">
-              <a14:hiddenLine xmlns:a14="http://schemas.microsoft.com/office/drawing/2010/main" w="9525">
+              <a14:hiddenLine xmlns:a14="http://schemas.microsoft.com/office/drawing/2010/main" xmlns="" w="9525">
                 <a:solidFill>
                   <a:srgbClr val="000000"/>
                 </a:solidFill>
@@ -15293,7 +15305,7 @@
     </p:spTree>
     <p:extLst>
       <p:ext uri="{BB962C8B-B14F-4D97-AF65-F5344CB8AC3E}">
-        <p14:creationId xmlns:p14="http://schemas.microsoft.com/office/powerpoint/2010/main" val="1744313912"/>
+        <p14:creationId xmlns:p14="http://schemas.microsoft.com/office/powerpoint/2010/main" xmlns="" val="1744313912"/>
       </p:ext>
     </p:extLst>
   </p:cSld>
@@ -15449,7 +15461,7 @@
     </p:spTree>
     <p:extLst>
       <p:ext uri="{BB962C8B-B14F-4D97-AF65-F5344CB8AC3E}">
-        <p14:creationId xmlns:p14="http://schemas.microsoft.com/office/powerpoint/2010/main" val="3512831846"/>
+        <p14:creationId xmlns:p14="http://schemas.microsoft.com/office/powerpoint/2010/main" xmlns="" val="3512831846"/>
       </p:ext>
     </p:extLst>
   </p:cSld>
@@ -15766,7 +15778,7 @@
     </p:spTree>
     <p:extLst>
       <p:ext uri="{BB962C8B-B14F-4D97-AF65-F5344CB8AC3E}">
-        <p14:creationId xmlns:p14="http://schemas.microsoft.com/office/powerpoint/2010/main" val="2544983313"/>
+        <p14:creationId xmlns:p14="http://schemas.microsoft.com/office/powerpoint/2010/main" xmlns="" val="2544983313"/>
       </p:ext>
     </p:extLst>
   </p:cSld>
@@ -16051,7 +16063,7 @@
   <a:extraClrSchemeLst/>
   <a:extLst>
     <a:ext uri="{05A4C25C-085E-4340-85A3-A5531E510DB2}">
-      <thm15:themeFamily xmlns:thm15="http://schemas.microsoft.com/office/thememl/2012/main" name="Office Theme" id="{62F939B6-93AF-4DB8-9C6B-D6C7DFDC589F}" vid="{4A3C46E8-61CC-4603-A589-7422A47A8E4A}"/>
+      <thm15:themeFamily xmlns:thm15="http://schemas.microsoft.com/office/thememl/2012/main" xmlns="" name="Office Theme" id="{62F939B6-93AF-4DB8-9C6B-D6C7DFDC589F}" vid="{4A3C46E8-61CC-4603-A589-7422A47A8E4A}"/>
     </a:ext>
   </a:extLst>
 </a:theme>
@@ -16312,7 +16324,7 @@
   <a:extraClrSchemeLst/>
   <a:extLst>
     <a:ext uri="{05A4C25C-085E-4340-85A3-A5531E510DB2}">
-      <thm15:themeFamily xmlns:thm15="http://schemas.microsoft.com/office/thememl/2012/main" name="Office Theme" id="{62F939B6-93AF-4DB8-9C6B-D6C7DFDC589F}" vid="{4A3C46E8-61CC-4603-A589-7422A47A8E4A}"/>
+      <thm15:themeFamily xmlns:thm15="http://schemas.microsoft.com/office/thememl/2012/main" xmlns="" name="Office Theme" id="{62F939B6-93AF-4DB8-9C6B-D6C7DFDC589F}" vid="{4A3C46E8-61CC-4603-A589-7422A47A8E4A}"/>
     </a:ext>
   </a:extLst>
 </a:theme>
@@ -16573,7 +16585,7 @@
   <a:extraClrSchemeLst/>
   <a:extLst>
     <a:ext uri="{05A4C25C-085E-4340-85A3-A5531E510DB2}">
-      <thm15:themeFamily xmlns:thm15="http://schemas.microsoft.com/office/thememl/2012/main" name="Office Theme" id="{62F939B6-93AF-4DB8-9C6B-D6C7DFDC589F}" vid="{4A3C46E8-61CC-4603-A589-7422A47A8E4A}"/>
+      <thm15:themeFamily xmlns:thm15="http://schemas.microsoft.com/office/thememl/2012/main" xmlns="" name="Office Theme" id="{62F939B6-93AF-4DB8-9C6B-D6C7DFDC589F}" vid="{4A3C46E8-61CC-4603-A589-7422A47A8E4A}"/>
     </a:ext>
   </a:extLst>
 </a:theme>

--- a/docs/part1ca/10_Exceptions/CA_Lecture_10.pptx
+++ b/docs/part1ca/10_Exceptions/CA_Lecture_10.pptx
@@ -5,10 +5,10 @@
     <p:sldMasterId id="2147483648" r:id="rId1"/>
   </p:sldMasterIdLst>
   <p:notesMasterIdLst>
-    <p:notesMasterId r:id="rId27"/>
+    <p:notesMasterId r:id="rId29"/>
   </p:notesMasterIdLst>
   <p:handoutMasterIdLst>
-    <p:handoutMasterId r:id="rId28"/>
+    <p:handoutMasterId r:id="rId30"/>
   </p:handoutMasterIdLst>
   <p:sldIdLst>
     <p:sldId id="256" r:id="rId2"/>
@@ -20,22 +20,24 @@
     <p:sldId id="420" r:id="rId8"/>
     <p:sldId id="421" r:id="rId9"/>
     <p:sldId id="422" r:id="rId10"/>
-    <p:sldId id="423" r:id="rId11"/>
-    <p:sldId id="424" r:id="rId12"/>
-    <p:sldId id="397" r:id="rId13"/>
-    <p:sldId id="398" r:id="rId14"/>
-    <p:sldId id="399" r:id="rId15"/>
-    <p:sldId id="401" r:id="rId16"/>
-    <p:sldId id="400" r:id="rId17"/>
-    <p:sldId id="402" r:id="rId18"/>
-    <p:sldId id="410" r:id="rId19"/>
-    <p:sldId id="411" r:id="rId20"/>
-    <p:sldId id="412" r:id="rId21"/>
-    <p:sldId id="414" r:id="rId22"/>
-    <p:sldId id="413" r:id="rId23"/>
-    <p:sldId id="403" r:id="rId24"/>
-    <p:sldId id="404" r:id="rId25"/>
-    <p:sldId id="380" r:id="rId26"/>
+    <p:sldId id="425" r:id="rId11"/>
+    <p:sldId id="426" r:id="rId12"/>
+    <p:sldId id="423" r:id="rId13"/>
+    <p:sldId id="424" r:id="rId14"/>
+    <p:sldId id="397" r:id="rId15"/>
+    <p:sldId id="398" r:id="rId16"/>
+    <p:sldId id="399" r:id="rId17"/>
+    <p:sldId id="401" r:id="rId18"/>
+    <p:sldId id="400" r:id="rId19"/>
+    <p:sldId id="402" r:id="rId20"/>
+    <p:sldId id="410" r:id="rId21"/>
+    <p:sldId id="411" r:id="rId22"/>
+    <p:sldId id="412" r:id="rId23"/>
+    <p:sldId id="414" r:id="rId24"/>
+    <p:sldId id="413" r:id="rId25"/>
+    <p:sldId id="403" r:id="rId26"/>
+    <p:sldId id="404" r:id="rId27"/>
+    <p:sldId id="380" r:id="rId28"/>
   </p:sldIdLst>
   <p:sldSz cx="12192000" cy="6858000"/>
   <p:notesSz cx="6858000" cy="9144000"/>
@@ -923,7 +925,7 @@
             <a:fld id="{5583B3A5-99BF-45D9-956B-DC57CC23AD97}" type="slidenum">
               <a:rPr lang="ru-RU" smtClean="0"/>
               <a:pPr/>
-              <a:t>25</a:t>
+              <a:t>27</a:t>
             </a:fld>
             <a:endParaRPr lang="ru-RU"/>
           </a:p>
@@ -4103,22 +4105,14 @@
             </a:br>
             <a:r>
               <a:rPr lang="en-US" b="1" dirty="0" smtClean="0"/>
-              <a:t>Lecture 10</a:t>
-            </a:r>
-            <a:r>
-              <a:rPr lang="en-US" b="1" smtClean="0"/>
-              <a:t>: </a:t>
-            </a:r>
-            <a:r>
-              <a:rPr lang="en-US" b="1" smtClean="0"/>
-              <a:t>Exceptions</a:t>
-            </a:r>
-            <a:r>
-              <a:rPr lang="en-US" b="1" smtClean="0"/>
-              <a:t>. </a:t>
-            </a:r>
-            <a:r>
-              <a:rPr lang="en-US" b="1" smtClean="0"/>
+              <a:t>Lecture 10: </a:t>
+            </a:r>
+            <a:r>
+              <a:rPr lang="en-US" b="1" dirty="0" smtClean="0"/>
+              <a:t>Exceptions. </a:t>
+            </a:r>
+            <a:r>
+              <a:rPr lang="en-US" b="1" dirty="0" smtClean="0"/>
               <a:t>Multiple </a:t>
             </a:r>
             <a:r>
@@ -4262,95 +4256,7 @@
       </p:grpSpPr>
       <p:sp>
         <p:nvSpPr>
-          <p:cNvPr id="2" name="Content Placeholder 1"/>
-          <p:cNvSpPr>
-            <a:spLocks noGrp="1"/>
-          </p:cNvSpPr>
-          <p:nvPr>
-            <p:ph idx="1"/>
-          </p:nvPr>
-        </p:nvSpPr>
-        <p:spPr>
-          <a:xfrm>
-            <a:off x="838200" y="1178052"/>
-            <a:ext cx="10515600" cy="5570617"/>
-          </a:xfrm>
-        </p:spPr>
-        <p:txBody>
-          <a:bodyPr>
-            <a:normAutofit/>
-          </a:bodyPr>
-          <a:lstStyle/>
-          <a:p>
-            <a:r>
-              <a:rPr lang="en-US" altLang="en-US" dirty="0"/>
-              <a:t>Pipelining overlaps multiple instructions</a:t>
-            </a:r>
-          </a:p>
-          <a:p>
-            <a:pPr lvl="1"/>
-            <a:r>
-              <a:rPr lang="en-US" altLang="en-US" dirty="0"/>
-              <a:t>Could have multiple exceptions at once</a:t>
-            </a:r>
-          </a:p>
-          <a:p>
-            <a:r>
-              <a:rPr lang="en-US" altLang="en-US" dirty="0"/>
-              <a:t>Simple approach: deal with exception from earliest instruction</a:t>
-            </a:r>
-          </a:p>
-          <a:p>
-            <a:pPr lvl="1"/>
-            <a:r>
-              <a:rPr lang="en-US" altLang="en-US" dirty="0"/>
-              <a:t>Flush subsequent instructions</a:t>
-            </a:r>
-          </a:p>
-          <a:p>
-            <a:pPr lvl="1"/>
-            <a:r>
-              <a:rPr lang="en-US" altLang="en-US" dirty="0"/>
-              <a:t>“Precise” exceptions</a:t>
-            </a:r>
-          </a:p>
-          <a:p>
-            <a:r>
-              <a:rPr lang="en-US" altLang="en-US" dirty="0"/>
-              <a:t>In complex pipelines</a:t>
-            </a:r>
-          </a:p>
-          <a:p>
-            <a:pPr lvl="1"/>
-            <a:r>
-              <a:rPr lang="en-US" altLang="en-US" dirty="0"/>
-              <a:t>Multiple instructions issued per cycle</a:t>
-            </a:r>
-          </a:p>
-          <a:p>
-            <a:pPr lvl="1"/>
-            <a:r>
-              <a:rPr lang="en-US" altLang="en-US" dirty="0"/>
-              <a:t>Out-of-order completion</a:t>
-            </a:r>
-          </a:p>
-          <a:p>
-            <a:pPr lvl="1"/>
-            <a:r>
-              <a:rPr lang="en-US" altLang="en-US" dirty="0"/>
-              <a:t>Maintaining precise exceptions is difficult</a:t>
-            </a:r>
-            <a:r>
-              <a:rPr lang="en-US" altLang="en-US" dirty="0" smtClean="0"/>
-              <a:t>!</a:t>
-            </a:r>
-            <a:endParaRPr lang="en-AU" altLang="en-US" dirty="0"/>
-          </a:p>
-        </p:txBody>
-      </p:sp>
-      <p:sp>
-        <p:nvSpPr>
-          <p:cNvPr id="3" name="Slide Number Placeholder 2"/>
+          <p:cNvPr id="3" name="Номер слайда 2"/>
           <p:cNvSpPr>
             <a:spLocks noGrp="1"/>
           </p:cNvSpPr>
@@ -4375,7 +4281,7 @@
       </p:sp>
       <p:sp>
         <p:nvSpPr>
-          <p:cNvPr id="4" name="Title 3"/>
+          <p:cNvPr id="4" name="Заголовок 3"/>
           <p:cNvSpPr>
             <a:spLocks noGrp="1"/>
           </p:cNvSpPr>
@@ -4389,19 +4295,46 @@
           <a:lstStyle/>
           <a:p>
             <a:r>
-              <a:rPr lang="en-US" altLang="en-US" dirty="0"/>
-              <a:t>Multiple Exceptions</a:t>
-            </a:r>
-            <a:endParaRPr lang="en-US" dirty="0"/>
+              <a:rPr lang="en-US" dirty="0" smtClean="0"/>
+              <a:t>Exception Example</a:t>
+            </a:r>
+            <a:endParaRPr lang="ru-RU" dirty="0"/>
           </a:p>
         </p:txBody>
       </p:sp>
+      <p:pic>
+        <p:nvPicPr>
+          <p:cNvPr id="5" name="Picture 1"/>
+          <p:cNvPicPr>
+            <a:picLocks noChangeAspect="1"/>
+          </p:cNvPicPr>
+          <p:nvPr/>
+        </p:nvPicPr>
+        <p:blipFill>
+          <a:blip r:embed="rId2" cstate="print"/>
+          <a:srcRect/>
+          <a:stretch>
+            <a:fillRect/>
+          </a:stretch>
+        </p:blipFill>
+        <p:spPr bwMode="auto">
+          <a:xfrm>
+            <a:off x="1825128" y="1226100"/>
+            <a:ext cx="8891796" cy="5254001"/>
+          </a:xfrm>
+          <a:prstGeom prst="rect">
+            <a:avLst/>
+          </a:prstGeom>
+          <a:noFill/>
+          <a:ln w="9525">
+            <a:noFill/>
+            <a:miter lim="800000"/>
+            <a:headEnd/>
+            <a:tailEnd/>
+          </a:ln>
+        </p:spPr>
+      </p:pic>
     </p:spTree>
-    <p:extLst>
-      <p:ext uri="{BB962C8B-B14F-4D97-AF65-F5344CB8AC3E}">
-        <p14:creationId xmlns:p14="http://schemas.microsoft.com/office/powerpoint/2010/main" xmlns="" val="2471527286"/>
-      </p:ext>
-    </p:extLst>
   </p:cSld>
   <p:clrMapOvr>
     <a:masterClrMapping/>
@@ -4428,93 +4361,7 @@
       </p:grpSpPr>
       <p:sp>
         <p:nvSpPr>
-          <p:cNvPr id="2" name="Content Placeholder 1"/>
-          <p:cNvSpPr>
-            <a:spLocks noGrp="1"/>
-          </p:cNvSpPr>
-          <p:nvPr>
-            <p:ph idx="1"/>
-          </p:nvPr>
-        </p:nvSpPr>
-        <p:spPr>
-          <a:xfrm>
-            <a:off x="838200" y="1178053"/>
-            <a:ext cx="10515600" cy="5492304"/>
-          </a:xfrm>
-        </p:spPr>
-        <p:txBody>
-          <a:bodyPr>
-            <a:normAutofit/>
-          </a:bodyPr>
-          <a:lstStyle/>
-          <a:p>
-            <a:r>
-              <a:rPr lang="en-US" altLang="en-US" dirty="0"/>
-              <a:t>Just stop pipeline and save state</a:t>
-            </a:r>
-          </a:p>
-          <a:p>
-            <a:pPr lvl="1"/>
-            <a:r>
-              <a:rPr lang="en-US" altLang="en-US" dirty="0"/>
-              <a:t>Including exception cause(s)</a:t>
-            </a:r>
-          </a:p>
-          <a:p>
-            <a:r>
-              <a:rPr lang="en-US" altLang="en-US" dirty="0"/>
-              <a:t>Let the handler work out</a:t>
-            </a:r>
-          </a:p>
-          <a:p>
-            <a:pPr lvl="1"/>
-            <a:r>
-              <a:rPr lang="en-US" altLang="en-US" dirty="0"/>
-              <a:t>Which instruction(s) had exceptions</a:t>
-            </a:r>
-          </a:p>
-          <a:p>
-            <a:pPr lvl="1"/>
-            <a:r>
-              <a:rPr lang="en-US" altLang="en-US" dirty="0"/>
-              <a:t>Which to complete or flush</a:t>
-            </a:r>
-          </a:p>
-          <a:p>
-            <a:pPr lvl="2"/>
-            <a:r>
-              <a:rPr lang="en-US" altLang="en-US" sz="2800" dirty="0"/>
-              <a:t>May require “manual” completion</a:t>
-            </a:r>
-          </a:p>
-          <a:p>
-            <a:r>
-              <a:rPr lang="en-US" altLang="en-US" dirty="0"/>
-              <a:t>Simplifies hardware, but more complex handler software</a:t>
-            </a:r>
-          </a:p>
-          <a:p>
-            <a:r>
-              <a:rPr lang="en-US" altLang="en-US" dirty="0"/>
-              <a:t>Not feasible for complex multiple-issue</a:t>
-            </a:r>
-            <a:br>
-              <a:rPr lang="en-US" altLang="en-US" dirty="0"/>
-            </a:br>
-            <a:r>
-              <a:rPr lang="en-US" altLang="en-US" dirty="0"/>
-              <a:t>out-of-order pipelines</a:t>
-            </a:r>
-            <a:endParaRPr lang="en-AU" altLang="en-US" dirty="0"/>
-          </a:p>
-          <a:p>
-            <a:endParaRPr lang="en-US" dirty="0"/>
-          </a:p>
-        </p:txBody>
-      </p:sp>
-      <p:sp>
-        <p:nvSpPr>
-          <p:cNvPr id="3" name="Slide Number Placeholder 2"/>
+          <p:cNvPr id="3" name="Номер слайда 2"/>
           <p:cNvSpPr>
             <a:spLocks noGrp="1"/>
           </p:cNvSpPr>
@@ -4539,7 +4386,7 @@
       </p:sp>
       <p:sp>
         <p:nvSpPr>
-          <p:cNvPr id="4" name="Title 3"/>
+          <p:cNvPr id="4" name="Заголовок 3"/>
           <p:cNvSpPr>
             <a:spLocks noGrp="1"/>
           </p:cNvSpPr>
@@ -4553,19 +4400,46 @@
           <a:lstStyle/>
           <a:p>
             <a:r>
-              <a:rPr lang="en-US" altLang="en-US" dirty="0"/>
-              <a:t>Imprecise Exceptions</a:t>
-            </a:r>
-            <a:endParaRPr lang="en-US" dirty="0"/>
+              <a:rPr lang="en-US" dirty="0" smtClean="0"/>
+              <a:t>Exception Example</a:t>
+            </a:r>
+            <a:endParaRPr lang="ru-RU" dirty="0"/>
           </a:p>
         </p:txBody>
       </p:sp>
+      <p:pic>
+        <p:nvPicPr>
+          <p:cNvPr id="5" name="Picture 1"/>
+          <p:cNvPicPr>
+            <a:picLocks noChangeAspect="1"/>
+          </p:cNvPicPr>
+          <p:nvPr/>
+        </p:nvPicPr>
+        <p:blipFill>
+          <a:blip r:embed="rId2" cstate="print"/>
+          <a:srcRect/>
+          <a:stretch>
+            <a:fillRect/>
+          </a:stretch>
+        </p:blipFill>
+        <p:spPr bwMode="auto">
+          <a:xfrm>
+            <a:off x="1635124" y="1273602"/>
+            <a:ext cx="8774448" cy="5099315"/>
+          </a:xfrm>
+          <a:prstGeom prst="rect">
+            <a:avLst/>
+          </a:prstGeom>
+          <a:noFill/>
+          <a:ln w="9525">
+            <a:noFill/>
+            <a:miter lim="800000"/>
+            <a:headEnd/>
+            <a:tailEnd/>
+          </a:ln>
+        </p:spPr>
+      </p:pic>
     </p:spTree>
-    <p:extLst>
-      <p:ext uri="{BB962C8B-B14F-4D97-AF65-F5344CB8AC3E}">
-        <p14:creationId xmlns:p14="http://schemas.microsoft.com/office/powerpoint/2010/main" xmlns="" val="1945192537"/>
-      </p:ext>
-    </p:extLst>
   </p:cSld>
   <p:clrMapOvr>
     <a:masterClrMapping/>
@@ -4603,7 +4477,7 @@
         <p:spPr>
           <a:xfrm>
             <a:off x="838200" y="1178052"/>
-            <a:ext cx="10515600" cy="5492305"/>
+            <a:ext cx="10515600" cy="5570617"/>
           </a:xfrm>
         </p:spPr>
         <p:txBody>
@@ -4614,100 +4488,67 @@
           <a:p>
             <a:r>
               <a:rPr lang="en-US" altLang="en-US" dirty="0"/>
-              <a:t>Pipelining: executing multiple instructions in parallel</a:t>
-            </a:r>
-          </a:p>
-          <a:p>
-            <a:r>
-              <a:rPr lang="en-US" altLang="en-US" dirty="0"/>
-              <a:t>To increase ILP</a:t>
+              <a:t>Pipelining overlaps multiple instructions</a:t>
             </a:r>
           </a:p>
           <a:p>
             <a:pPr lvl="1"/>
             <a:r>
               <a:rPr lang="en-US" altLang="en-US" dirty="0"/>
-              <a:t>Deeper pipeline</a:t>
-            </a:r>
-          </a:p>
-          <a:p>
-            <a:pPr lvl="2"/>
-            <a:r>
-              <a:rPr lang="en-US" altLang="en-US" sz="2800" dirty="0"/>
-              <a:t>Less work per stage </a:t>
-            </a:r>
-            <a:r>
-              <a:rPr lang="en-US" altLang="en-US" sz="2800" dirty="0">
-                <a:sym typeface="Symbol" panose="05050102010706020507" pitchFamily="18" charset="2"/>
-              </a:rPr>
-              <a:t> shorter clock cycle</a:t>
+              <a:t>Could have multiple exceptions at once</a:t>
+            </a:r>
+          </a:p>
+          <a:p>
+            <a:r>
+              <a:rPr lang="en-US" altLang="en-US" dirty="0"/>
+              <a:t>Simple approach: deal with exception from earliest instruction</a:t>
             </a:r>
           </a:p>
           <a:p>
             <a:pPr lvl="1"/>
             <a:r>
-              <a:rPr lang="en-US" altLang="en-US" dirty="0">
-                <a:sym typeface="Symbol" panose="05050102010706020507" pitchFamily="18" charset="2"/>
-              </a:rPr>
-              <a:t>Multiple issue</a:t>
-            </a:r>
-          </a:p>
-          <a:p>
-            <a:pPr lvl="2"/>
-            <a:r>
-              <a:rPr lang="en-US" altLang="en-US" sz="2800" dirty="0">
-                <a:sym typeface="Symbol" panose="05050102010706020507" pitchFamily="18" charset="2"/>
-              </a:rPr>
-              <a:t>Replicate pipeline stages  multiple pipelines</a:t>
-            </a:r>
-          </a:p>
-          <a:p>
-            <a:pPr lvl="2"/>
-            <a:r>
-              <a:rPr lang="en-US" altLang="en-US" sz="2800" dirty="0">
-                <a:sym typeface="Symbol" panose="05050102010706020507" pitchFamily="18" charset="2"/>
-              </a:rPr>
-              <a:t>Start multiple instructions per clock cycle</a:t>
-            </a:r>
-          </a:p>
-          <a:p>
-            <a:pPr lvl="2"/>
-            <a:r>
-              <a:rPr lang="en-US" altLang="en-US" sz="2800" dirty="0">
-                <a:sym typeface="Symbol" panose="05050102010706020507" pitchFamily="18" charset="2"/>
-              </a:rPr>
-              <a:t>CPI &lt; 1, so use Instructions Per Cycle (IPC)</a:t>
-            </a:r>
-          </a:p>
-          <a:p>
-            <a:pPr lvl="2"/>
-            <a:r>
-              <a:rPr lang="en-US" altLang="en-US" sz="2800" dirty="0">
-                <a:sym typeface="Symbol" panose="05050102010706020507" pitchFamily="18" charset="2"/>
-              </a:rPr>
-              <a:t>E.g., 4GHz 4-way multiple-issue</a:t>
-            </a:r>
-          </a:p>
-          <a:p>
-            <a:pPr lvl="3"/>
-            <a:r>
-              <a:rPr lang="en-US" altLang="en-US" sz="2400" dirty="0">
-                <a:sym typeface="Symbol" panose="05050102010706020507" pitchFamily="18" charset="2"/>
-              </a:rPr>
-              <a:t>16 BIPS, peak CPI = 0.25, peak IPC = 4</a:t>
-            </a:r>
-          </a:p>
-          <a:p>
-            <a:pPr lvl="2"/>
-            <a:r>
-              <a:rPr lang="en-US" altLang="en-US" sz="2800" dirty="0">
-                <a:sym typeface="Symbol" panose="05050102010706020507" pitchFamily="18" charset="2"/>
-              </a:rPr>
-              <a:t>But dependencies reduce this in practice</a:t>
-            </a:r>
-          </a:p>
-          <a:p>
-            <a:endParaRPr lang="en-US" dirty="0"/>
+              <a:rPr lang="en-US" altLang="en-US" dirty="0"/>
+              <a:t>Flush subsequent instructions</a:t>
+            </a:r>
+          </a:p>
+          <a:p>
+            <a:pPr lvl="1"/>
+            <a:r>
+              <a:rPr lang="en-US" altLang="en-US" dirty="0"/>
+              <a:t>“Precise” exceptions</a:t>
+            </a:r>
+          </a:p>
+          <a:p>
+            <a:r>
+              <a:rPr lang="en-US" altLang="en-US" dirty="0"/>
+              <a:t>In complex pipelines</a:t>
+            </a:r>
+          </a:p>
+          <a:p>
+            <a:pPr lvl="1"/>
+            <a:r>
+              <a:rPr lang="en-US" altLang="en-US" dirty="0"/>
+              <a:t>Multiple instructions issued per cycle</a:t>
+            </a:r>
+          </a:p>
+          <a:p>
+            <a:pPr lvl="1"/>
+            <a:r>
+              <a:rPr lang="en-US" altLang="en-US" dirty="0"/>
+              <a:t>Out-of-order completion</a:t>
+            </a:r>
+          </a:p>
+          <a:p>
+            <a:pPr lvl="1"/>
+            <a:r>
+              <a:rPr lang="en-US" altLang="en-US" dirty="0"/>
+              <a:t>Maintaining precise exceptions is difficult</a:t>
+            </a:r>
+            <a:r>
+              <a:rPr lang="en-US" altLang="en-US" dirty="0" smtClean="0"/>
+              <a:t>!</a:t>
+            </a:r>
+            <a:endParaRPr lang="en-AU" altLang="en-US" dirty="0"/>
           </a:p>
         </p:txBody>
       </p:sp>
@@ -4753,7 +4594,7 @@
           <a:p>
             <a:r>
               <a:rPr lang="en-US" altLang="en-US" dirty="0"/>
-              <a:t>Instruction-Level Parallelism (ILP)</a:t>
+              <a:t>Multiple Exceptions</a:t>
             </a:r>
             <a:endParaRPr lang="en-US" dirty="0"/>
           </a:p>
@@ -4762,7 +4603,7 @@
     </p:spTree>
     <p:extLst>
       <p:ext uri="{BB962C8B-B14F-4D97-AF65-F5344CB8AC3E}">
-        <p14:creationId xmlns:p14="http://schemas.microsoft.com/office/powerpoint/2010/main" xmlns="" val="4113388443"/>
+        <p14:creationId xmlns:p14="http://schemas.microsoft.com/office/powerpoint/2010/main" xmlns="" val="2471527286"/>
       </p:ext>
     </p:extLst>
   </p:cSld>
@@ -4801,8 +4642,8 @@
         </p:nvSpPr>
         <p:spPr>
           <a:xfrm>
-            <a:off x="719328" y="1187197"/>
-            <a:ext cx="10838688" cy="4997896"/>
+            <a:off x="838200" y="1178053"/>
+            <a:ext cx="10515600" cy="5492304"/>
           </a:xfrm>
         </p:spPr>
         <p:txBody>
@@ -4813,55 +4654,60 @@
           <a:p>
             <a:r>
               <a:rPr lang="en-US" altLang="en-US" dirty="0"/>
-              <a:t>Static multiple issue</a:t>
+              <a:t>Just stop pipeline and save state</a:t>
             </a:r>
           </a:p>
           <a:p>
             <a:pPr lvl="1"/>
             <a:r>
               <a:rPr lang="en-US" altLang="en-US" dirty="0"/>
-              <a:t>Compiler groups instructions to be issued together</a:t>
+              <a:t>Including exception cause(s)</a:t>
+            </a:r>
+          </a:p>
+          <a:p>
+            <a:r>
+              <a:rPr lang="en-US" altLang="en-US" dirty="0"/>
+              <a:t>Let the handler work out</a:t>
             </a:r>
           </a:p>
           <a:p>
             <a:pPr lvl="1"/>
             <a:r>
               <a:rPr lang="en-US" altLang="en-US" dirty="0"/>
-              <a:t>Packages them into “issue slots”</a:t>
+              <a:t>Which instruction(s) had exceptions</a:t>
             </a:r>
           </a:p>
           <a:p>
             <a:pPr lvl="1"/>
             <a:r>
               <a:rPr lang="en-US" altLang="en-US" dirty="0"/>
-              <a:t>Compiler detects and avoids hazards</a:t>
-            </a:r>
-          </a:p>
-          <a:p>
-            <a:r>
-              <a:rPr lang="en-US" altLang="en-US" dirty="0"/>
-              <a:t>Dynamic multiple issue</a:t>
-            </a:r>
-          </a:p>
-          <a:p>
-            <a:pPr lvl="1"/>
-            <a:r>
-              <a:rPr lang="en-US" altLang="en-US" dirty="0"/>
-              <a:t>CPU examines instruction stream and chooses instructions to issue each cycle</a:t>
-            </a:r>
-          </a:p>
-          <a:p>
-            <a:pPr lvl="1"/>
-            <a:r>
-              <a:rPr lang="en-US" altLang="en-US" dirty="0"/>
-              <a:t>Compiler can help by reordering instructions</a:t>
-            </a:r>
-          </a:p>
-          <a:p>
-            <a:pPr lvl="1"/>
-            <a:r>
-              <a:rPr lang="en-US" altLang="en-US" dirty="0"/>
-              <a:t>CPU resolves hazards using advanced techniques at runtime</a:t>
+              <a:t>Which to complete or flush</a:t>
+            </a:r>
+          </a:p>
+          <a:p>
+            <a:pPr lvl="2"/>
+            <a:r>
+              <a:rPr lang="en-US" altLang="en-US" sz="2800" dirty="0"/>
+              <a:t>May require “manual” completion</a:t>
+            </a:r>
+          </a:p>
+          <a:p>
+            <a:r>
+              <a:rPr lang="en-US" altLang="en-US" dirty="0"/>
+              <a:t>Simplifies hardware, but more complex handler software</a:t>
+            </a:r>
+          </a:p>
+          <a:p>
+            <a:r>
+              <a:rPr lang="en-US" altLang="en-US" dirty="0"/>
+              <a:t>Not feasible for complex multiple-issue</a:t>
+            </a:r>
+            <a:br>
+              <a:rPr lang="en-US" altLang="en-US" dirty="0"/>
+            </a:br>
+            <a:r>
+              <a:rPr lang="en-US" altLang="en-US" dirty="0"/>
+              <a:t>out-of-order pipelines</a:t>
             </a:r>
             <a:endParaRPr lang="en-AU" altLang="en-US" dirty="0"/>
           </a:p>
@@ -4912,7 +4758,7 @@
           <a:p>
             <a:r>
               <a:rPr lang="en-US" altLang="en-US" dirty="0"/>
-              <a:t>Multiple Issue</a:t>
+              <a:t>Imprecise Exceptions</a:t>
             </a:r>
             <a:endParaRPr lang="en-US" dirty="0"/>
           </a:p>
@@ -4921,7 +4767,7 @@
     </p:spTree>
     <p:extLst>
       <p:ext uri="{BB962C8B-B14F-4D97-AF65-F5344CB8AC3E}">
-        <p14:creationId xmlns:p14="http://schemas.microsoft.com/office/powerpoint/2010/main" xmlns="" val="3238654069"/>
+        <p14:creationId xmlns:p14="http://schemas.microsoft.com/office/powerpoint/2010/main" xmlns="" val="1945192537"/>
       </p:ext>
     </p:extLst>
   </p:cSld>
@@ -4961,7 +4807,7 @@
         <p:spPr>
           <a:xfrm>
             <a:off x="838200" y="1178052"/>
-            <a:ext cx="10515600" cy="5561076"/>
+            <a:ext cx="10515600" cy="5492305"/>
           </a:xfrm>
         </p:spPr>
         <p:txBody>
@@ -4970,131 +4816,102 @@
           </a:bodyPr>
           <a:lstStyle/>
           <a:p>
-            <a:pPr>
-              <a:spcBef>
-                <a:spcPts val="300"/>
-              </a:spcBef>
-            </a:pPr>
-            <a:r>
-              <a:rPr lang="en-US" altLang="en-US" dirty="0"/>
-              <a:t>“Guess” what to do with an instruction</a:t>
-            </a:r>
-          </a:p>
-          <a:p>
-            <a:pPr lvl="1">
-              <a:spcBef>
-                <a:spcPts val="300"/>
-              </a:spcBef>
-            </a:pPr>
-            <a:r>
-              <a:rPr lang="en-US" altLang="en-US" dirty="0"/>
-              <a:t>Start operation as soon as possible</a:t>
-            </a:r>
-          </a:p>
-          <a:p>
-            <a:pPr lvl="1">
-              <a:spcBef>
-                <a:spcPts val="300"/>
-              </a:spcBef>
-            </a:pPr>
-            <a:r>
-              <a:rPr lang="en-US" altLang="en-US" dirty="0"/>
-              <a:t>Check whether guess was right</a:t>
-            </a:r>
-          </a:p>
-          <a:p>
-            <a:pPr lvl="2">
-              <a:spcBef>
-                <a:spcPts val="300"/>
-              </a:spcBef>
-            </a:pPr>
+            <a:r>
+              <a:rPr lang="en-US" altLang="en-US" dirty="0"/>
+              <a:t>Pipelining: executing multiple instructions in parallel</a:t>
+            </a:r>
+          </a:p>
+          <a:p>
+            <a:r>
+              <a:rPr lang="en-US" altLang="en-US" dirty="0"/>
+              <a:t>To increase ILP</a:t>
+            </a:r>
+          </a:p>
+          <a:p>
+            <a:pPr lvl="1"/>
+            <a:r>
+              <a:rPr lang="en-US" altLang="en-US" dirty="0"/>
+              <a:t>Deeper pipeline</a:t>
+            </a:r>
+          </a:p>
+          <a:p>
+            <a:pPr lvl="2"/>
             <a:r>
               <a:rPr lang="en-US" altLang="en-US" sz="2800" dirty="0"/>
-              <a:t>If so, complete the operation</a:t>
-            </a:r>
-          </a:p>
-          <a:p>
-            <a:pPr lvl="2">
-              <a:spcBef>
-                <a:spcPts val="300"/>
-              </a:spcBef>
-            </a:pPr>
-            <a:r>
-              <a:rPr lang="en-US" altLang="en-US" sz="2800" dirty="0"/>
-              <a:t>If not, roll-back and do the right thing</a:t>
-            </a:r>
-          </a:p>
-          <a:p>
-            <a:pPr>
-              <a:spcBef>
-                <a:spcPts val="300"/>
-              </a:spcBef>
-            </a:pPr>
-            <a:r>
-              <a:rPr lang="en-US" altLang="en-US" dirty="0"/>
-              <a:t>Common to static and dynamic multiple issue</a:t>
-            </a:r>
-          </a:p>
-          <a:p>
-            <a:pPr>
-              <a:spcBef>
-                <a:spcPts val="300"/>
-              </a:spcBef>
-            </a:pPr>
-            <a:r>
-              <a:rPr lang="en-US" altLang="en-US" dirty="0"/>
-              <a:t>Examples</a:t>
-            </a:r>
-          </a:p>
-          <a:p>
-            <a:pPr lvl="1">
-              <a:spcBef>
-                <a:spcPts val="300"/>
-              </a:spcBef>
-            </a:pPr>
-            <a:r>
-              <a:rPr lang="en-US" altLang="en-US" dirty="0"/>
-              <a:t>Speculate on branch outcome</a:t>
-            </a:r>
-          </a:p>
-          <a:p>
-            <a:pPr lvl="2">
-              <a:spcBef>
-                <a:spcPts val="300"/>
-              </a:spcBef>
-            </a:pPr>
-            <a:r>
-              <a:rPr lang="en-US" altLang="en-US" sz="2800" dirty="0"/>
-              <a:t>Roll back if path taken is different</a:t>
-            </a:r>
-            <a:endParaRPr lang="en-US" altLang="en-US" sz="2000" dirty="0"/>
-          </a:p>
-          <a:p>
-            <a:pPr lvl="1">
-              <a:spcBef>
-                <a:spcPts val="300"/>
-              </a:spcBef>
-            </a:pPr>
-            <a:r>
-              <a:rPr lang="en-US" altLang="en-US" dirty="0"/>
-              <a:t>Speculate on load</a:t>
-            </a:r>
-          </a:p>
-          <a:p>
-            <a:pPr lvl="2">
-              <a:spcBef>
-                <a:spcPts val="300"/>
-              </a:spcBef>
-            </a:pPr>
-            <a:r>
-              <a:rPr lang="en-US" altLang="en-US" sz="2800" dirty="0"/>
-              <a:t>Roll back if location is </a:t>
-            </a:r>
-            <a:r>
-              <a:rPr lang="en-US" altLang="en-US" sz="2800" dirty="0" smtClean="0"/>
-              <a:t>updated</a:t>
-            </a:r>
-            <a:endParaRPr lang="en-AU" altLang="en-US" sz="2800" dirty="0"/>
+              <a:t>Less work per stage </a:t>
+            </a:r>
+            <a:r>
+              <a:rPr lang="en-US" altLang="en-US" sz="2800" dirty="0">
+                <a:sym typeface="Symbol" panose="05050102010706020507" pitchFamily="18" charset="2"/>
+              </a:rPr>
+              <a:t> shorter clock cycle</a:t>
+            </a:r>
+          </a:p>
+          <a:p>
+            <a:pPr lvl="1"/>
+            <a:r>
+              <a:rPr lang="en-US" altLang="en-US" dirty="0">
+                <a:sym typeface="Symbol" panose="05050102010706020507" pitchFamily="18" charset="2"/>
+              </a:rPr>
+              <a:t>Multiple issue</a:t>
+            </a:r>
+          </a:p>
+          <a:p>
+            <a:pPr lvl="2"/>
+            <a:r>
+              <a:rPr lang="en-US" altLang="en-US" sz="2800" dirty="0">
+                <a:sym typeface="Symbol" panose="05050102010706020507" pitchFamily="18" charset="2"/>
+              </a:rPr>
+              <a:t>Replicate pipeline stages  multiple pipelines</a:t>
+            </a:r>
+          </a:p>
+          <a:p>
+            <a:pPr lvl="2"/>
+            <a:r>
+              <a:rPr lang="en-US" altLang="en-US" sz="2800" dirty="0">
+                <a:sym typeface="Symbol" panose="05050102010706020507" pitchFamily="18" charset="2"/>
+              </a:rPr>
+              <a:t>Start multiple instructions per clock cycle</a:t>
+            </a:r>
+          </a:p>
+          <a:p>
+            <a:pPr lvl="2"/>
+            <a:r>
+              <a:rPr lang="en-US" altLang="en-US" sz="2800" dirty="0">
+                <a:sym typeface="Symbol" panose="05050102010706020507" pitchFamily="18" charset="2"/>
+              </a:rPr>
+              <a:t>CPI &lt; 1, so use Instructions Per Cycle (IPC)</a:t>
+            </a:r>
+          </a:p>
+          <a:p>
+            <a:pPr lvl="2"/>
+            <a:r>
+              <a:rPr lang="en-US" altLang="en-US" sz="2800" dirty="0">
+                <a:sym typeface="Symbol" panose="05050102010706020507" pitchFamily="18" charset="2"/>
+              </a:rPr>
+              <a:t>E.g., 4GHz 4-way multiple-issue</a:t>
+            </a:r>
+          </a:p>
+          <a:p>
+            <a:pPr lvl="3"/>
+            <a:r>
+              <a:rPr lang="en-US" altLang="en-US" sz="2400" dirty="0">
+                <a:sym typeface="Symbol" panose="05050102010706020507" pitchFamily="18" charset="2"/>
+              </a:rPr>
+              <a:t>16 BIPS, peak CPI = 0.25, peak IPC = 4</a:t>
+            </a:r>
+          </a:p>
+          <a:p>
+            <a:pPr lvl="2"/>
+            <a:r>
+              <a:rPr lang="en-US" altLang="en-US" sz="2800" dirty="0">
+                <a:sym typeface="Symbol" panose="05050102010706020507" pitchFamily="18" charset="2"/>
+              </a:rPr>
+              <a:t>But dependencies reduce this in practice</a:t>
+            </a:r>
+          </a:p>
+          <a:p>
+            <a:endParaRPr lang="en-US" dirty="0"/>
           </a:p>
         </p:txBody>
       </p:sp>
@@ -5140,7 +4957,7 @@
           <a:p>
             <a:r>
               <a:rPr lang="en-US" altLang="en-US" dirty="0"/>
-              <a:t>Speculation</a:t>
+              <a:t>Instruction-Level Parallelism (ILP)</a:t>
             </a:r>
             <a:endParaRPr lang="en-US" dirty="0"/>
           </a:p>
@@ -5149,7 +4966,7 @@
     </p:spTree>
     <p:extLst>
       <p:ext uri="{BB962C8B-B14F-4D97-AF65-F5344CB8AC3E}">
-        <p14:creationId xmlns:p14="http://schemas.microsoft.com/office/powerpoint/2010/main" xmlns="" val="210899378"/>
+        <p14:creationId xmlns:p14="http://schemas.microsoft.com/office/powerpoint/2010/main" xmlns="" val="4113388443"/>
       </p:ext>
     </p:extLst>
   </p:cSld>
@@ -5186,98 +5003,74 @@
             <p:ph idx="1"/>
           </p:nvPr>
         </p:nvSpPr>
-        <p:spPr/>
+        <p:spPr>
+          <a:xfrm>
+            <a:off x="719328" y="1187197"/>
+            <a:ext cx="10838688" cy="4997896"/>
+          </a:xfrm>
+        </p:spPr>
         <p:txBody>
-          <a:bodyPr/>
+          <a:bodyPr>
+            <a:normAutofit/>
+          </a:bodyPr>
           <a:lstStyle/>
           <a:p>
-            <a:pPr>
-              <a:lnSpc>
-                <a:spcPct val="100000"/>
-              </a:lnSpc>
-              <a:spcBef>
-                <a:spcPts val="1800"/>
-              </a:spcBef>
-            </a:pPr>
-            <a:r>
-              <a:rPr lang="en-US" altLang="en-US" dirty="0"/>
-              <a:t>Compiler can reorder instructions</a:t>
-            </a:r>
-          </a:p>
-          <a:p>
-            <a:pPr lvl="1">
-              <a:lnSpc>
-                <a:spcPct val="100000"/>
-              </a:lnSpc>
-              <a:spcBef>
-                <a:spcPts val="1800"/>
-              </a:spcBef>
-            </a:pPr>
-            <a:r>
-              <a:rPr lang="en-US" altLang="en-US" dirty="0"/>
-              <a:t>e.g., move load before branch</a:t>
-            </a:r>
-          </a:p>
-          <a:p>
-            <a:pPr lvl="1">
-              <a:lnSpc>
-                <a:spcPct val="100000"/>
-              </a:lnSpc>
-              <a:spcBef>
-                <a:spcPts val="1800"/>
-              </a:spcBef>
-            </a:pPr>
-            <a:r>
-              <a:rPr lang="en-US" altLang="en-US" dirty="0"/>
-              <a:t>Can include “fix-up” instructions to recover from incorrect guess</a:t>
-            </a:r>
-          </a:p>
-          <a:p>
-            <a:pPr>
-              <a:lnSpc>
-                <a:spcPct val="100000"/>
-              </a:lnSpc>
-              <a:spcBef>
-                <a:spcPts val="1800"/>
-              </a:spcBef>
-            </a:pPr>
-            <a:r>
-              <a:rPr lang="en-US" altLang="en-US" dirty="0"/>
-              <a:t>Hardware can look ahead for instructions to execute</a:t>
-            </a:r>
-          </a:p>
-          <a:p>
-            <a:pPr lvl="1">
-              <a:lnSpc>
-                <a:spcPct val="100000"/>
-              </a:lnSpc>
-              <a:spcBef>
-                <a:spcPts val="1800"/>
-              </a:spcBef>
-            </a:pPr>
-            <a:r>
-              <a:rPr lang="en-US" altLang="en-US" dirty="0"/>
-              <a:t>Buffer results until it determines they are actually needed</a:t>
-            </a:r>
-          </a:p>
-          <a:p>
-            <a:pPr lvl="1">
-              <a:lnSpc>
-                <a:spcPct val="100000"/>
-              </a:lnSpc>
-              <a:spcBef>
-                <a:spcPts val="1800"/>
-              </a:spcBef>
-            </a:pPr>
-            <a:r>
-              <a:rPr lang="en-US" altLang="en-US" dirty="0"/>
-              <a:t>Flush buffers on incorrect </a:t>
-            </a:r>
-            <a:r>
-              <a:rPr lang="en-US" altLang="en-US" dirty="0" smtClean="0"/>
-              <a:t>speculation</a:t>
+            <a:r>
+              <a:rPr lang="en-US" altLang="en-US" dirty="0"/>
+              <a:t>Static multiple issue</a:t>
+            </a:r>
+          </a:p>
+          <a:p>
+            <a:pPr lvl="1"/>
+            <a:r>
+              <a:rPr lang="en-US" altLang="en-US" dirty="0"/>
+              <a:t>Compiler groups instructions to be issued together</a:t>
+            </a:r>
+          </a:p>
+          <a:p>
+            <a:pPr lvl="1"/>
+            <a:r>
+              <a:rPr lang="en-US" altLang="en-US" dirty="0"/>
+              <a:t>Packages them into “issue slots”</a:t>
+            </a:r>
+          </a:p>
+          <a:p>
+            <a:pPr lvl="1"/>
+            <a:r>
+              <a:rPr lang="en-US" altLang="en-US" dirty="0"/>
+              <a:t>Compiler detects and avoids hazards</a:t>
+            </a:r>
+          </a:p>
+          <a:p>
+            <a:r>
+              <a:rPr lang="en-US" altLang="en-US" dirty="0"/>
+              <a:t>Dynamic multiple issue</a:t>
+            </a:r>
+          </a:p>
+          <a:p>
+            <a:pPr lvl="1"/>
+            <a:r>
+              <a:rPr lang="en-US" altLang="en-US" dirty="0"/>
+              <a:t>CPU examines instruction stream and chooses instructions to issue each cycle</a:t>
+            </a:r>
+          </a:p>
+          <a:p>
+            <a:pPr lvl="1"/>
+            <a:r>
+              <a:rPr lang="en-US" altLang="en-US" dirty="0"/>
+              <a:t>Compiler can help by reordering instructions</a:t>
+            </a:r>
+          </a:p>
+          <a:p>
+            <a:pPr lvl="1"/>
+            <a:r>
+              <a:rPr lang="en-US" altLang="en-US" dirty="0"/>
+              <a:t>CPU resolves hazards using advanced techniques at runtime</a:t>
             </a:r>
             <a:endParaRPr lang="en-AU" altLang="en-US" dirty="0"/>
+          </a:p>
+          <a:p>
+            <a:endParaRPr lang="en-US" dirty="0"/>
           </a:p>
         </p:txBody>
       </p:sp>
@@ -5323,7 +5116,7 @@
           <a:p>
             <a:r>
               <a:rPr lang="en-US" altLang="en-US" dirty="0"/>
-              <a:t>Compiler/Hardware Speculation</a:t>
+              <a:t>Multiple Issue</a:t>
             </a:r>
             <a:endParaRPr lang="en-US" dirty="0"/>
           </a:p>
@@ -5332,7 +5125,7 @@
     </p:spTree>
     <p:extLst>
       <p:ext uri="{BB962C8B-B14F-4D97-AF65-F5344CB8AC3E}">
-        <p14:creationId xmlns:p14="http://schemas.microsoft.com/office/powerpoint/2010/main" xmlns="" val="2150303579"/>
+        <p14:creationId xmlns:p14="http://schemas.microsoft.com/office/powerpoint/2010/main" xmlns="" val="3238654069"/>
       </p:ext>
     </p:extLst>
   </p:cSld>
@@ -5369,104 +5162,143 @@
             <p:ph idx="1"/>
           </p:nvPr>
         </p:nvSpPr>
-        <p:spPr/>
+        <p:spPr>
+          <a:xfrm>
+            <a:off x="838200" y="1178052"/>
+            <a:ext cx="10515600" cy="5561076"/>
+          </a:xfrm>
+        </p:spPr>
         <p:txBody>
-          <a:bodyPr/>
+          <a:bodyPr>
+            <a:normAutofit/>
+          </a:bodyPr>
           <a:lstStyle/>
           <a:p>
             <a:pPr>
-              <a:lnSpc>
-                <a:spcPct val="100000"/>
-              </a:lnSpc>
               <a:spcBef>
-                <a:spcPts val="1800"/>
+                <a:spcPts val="300"/>
               </a:spcBef>
             </a:pPr>
             <a:r>
               <a:rPr lang="en-US" altLang="en-US" dirty="0"/>
-              <a:t>Compiler groups instructions into “issue packets”</a:t>
+              <a:t>“Guess” what to do with an instruction</a:t>
             </a:r>
           </a:p>
           <a:p>
             <a:pPr lvl="1">
-              <a:lnSpc>
-                <a:spcPct val="100000"/>
-              </a:lnSpc>
               <a:spcBef>
-                <a:spcPts val="1800"/>
+                <a:spcPts val="300"/>
               </a:spcBef>
             </a:pPr>
             <a:r>
               <a:rPr lang="en-US" altLang="en-US" dirty="0"/>
-              <a:t>Group of instructions that can be issued on a single cycle</a:t>
+              <a:t>Start operation as soon as possible</a:t>
             </a:r>
           </a:p>
           <a:p>
             <a:pPr lvl="1">
-              <a:lnSpc>
-                <a:spcPct val="100000"/>
-              </a:lnSpc>
               <a:spcBef>
-                <a:spcPts val="1800"/>
+                <a:spcPts val="300"/>
               </a:spcBef>
             </a:pPr>
             <a:r>
               <a:rPr lang="en-US" altLang="en-US" dirty="0"/>
-              <a:t>Determined by pipeline resources required</a:t>
-            </a:r>
-          </a:p>
-          <a:p>
-            <a:pPr>
-              <a:lnSpc>
-                <a:spcPct val="100000"/>
-              </a:lnSpc>
+              <a:t>Check whether guess was right</a:t>
+            </a:r>
+          </a:p>
+          <a:p>
+            <a:pPr lvl="2">
               <a:spcBef>
-                <a:spcPts val="1800"/>
+                <a:spcPts val="300"/>
               </a:spcBef>
             </a:pPr>
             <a:r>
-              <a:rPr lang="en-US" altLang="en-US" dirty="0"/>
-              <a:t>Think of an issue packet as a very long instruction</a:t>
-            </a:r>
-          </a:p>
-          <a:p>
-            <a:pPr lvl="1">
-              <a:lnSpc>
-                <a:spcPct val="100000"/>
-              </a:lnSpc>
+              <a:rPr lang="en-US" altLang="en-US" sz="2800" dirty="0"/>
+              <a:t>If so, complete the operation</a:t>
+            </a:r>
+          </a:p>
+          <a:p>
+            <a:pPr lvl="2">
               <a:spcBef>
-                <a:spcPts val="1800"/>
+                <a:spcPts val="300"/>
               </a:spcBef>
             </a:pPr>
             <a:r>
-              <a:rPr lang="en-US" altLang="en-US" dirty="0"/>
-              <a:t>Specifies multiple concurrent operations</a:t>
-            </a:r>
-          </a:p>
-          <a:p>
-            <a:pPr lvl="1">
-              <a:lnSpc>
-                <a:spcPct val="100000"/>
-              </a:lnSpc>
+              <a:rPr lang="en-US" altLang="en-US" sz="2800" dirty="0"/>
+              <a:t>If not, roll-back and do the right thing</a:t>
+            </a:r>
+          </a:p>
+          <a:p>
+            <a:pPr>
               <a:spcBef>
-                <a:spcPts val="1800"/>
+                <a:spcPts val="300"/>
               </a:spcBef>
             </a:pPr>
             <a:r>
-              <a:rPr lang="en-US" altLang="en-US" dirty="0">
-                <a:sym typeface="Symbol" panose="05050102010706020507" pitchFamily="18" charset="2"/>
-              </a:rPr>
-              <a:t> Very Long Instruction Word (</a:t>
-            </a:r>
-            <a:r>
-              <a:rPr lang="en-US" altLang="en-US" dirty="0"/>
-              <a:t>VLIW</a:t>
-            </a:r>
-            <a:r>
-              <a:rPr lang="en-US" altLang="en-US" dirty="0" smtClean="0"/>
-              <a:t>)</a:t>
-            </a:r>
-            <a:endParaRPr lang="en-US" altLang="en-US" dirty="0"/>
+              <a:rPr lang="en-US" altLang="en-US" dirty="0"/>
+              <a:t>Common to static and dynamic multiple issue</a:t>
+            </a:r>
+          </a:p>
+          <a:p>
+            <a:pPr>
+              <a:spcBef>
+                <a:spcPts val="300"/>
+              </a:spcBef>
+            </a:pPr>
+            <a:r>
+              <a:rPr lang="en-US" altLang="en-US" dirty="0"/>
+              <a:t>Examples</a:t>
+            </a:r>
+          </a:p>
+          <a:p>
+            <a:pPr lvl="1">
+              <a:spcBef>
+                <a:spcPts val="300"/>
+              </a:spcBef>
+            </a:pPr>
+            <a:r>
+              <a:rPr lang="en-US" altLang="en-US" dirty="0"/>
+              <a:t>Speculate on branch outcome</a:t>
+            </a:r>
+          </a:p>
+          <a:p>
+            <a:pPr lvl="2">
+              <a:spcBef>
+                <a:spcPts val="300"/>
+              </a:spcBef>
+            </a:pPr>
+            <a:r>
+              <a:rPr lang="en-US" altLang="en-US" sz="2800" dirty="0"/>
+              <a:t>Roll back if path taken is different</a:t>
+            </a:r>
+            <a:endParaRPr lang="en-US" altLang="en-US" sz="2000" dirty="0"/>
+          </a:p>
+          <a:p>
+            <a:pPr lvl="1">
+              <a:spcBef>
+                <a:spcPts val="300"/>
+              </a:spcBef>
+            </a:pPr>
+            <a:r>
+              <a:rPr lang="en-US" altLang="en-US" dirty="0"/>
+              <a:t>Speculate on load</a:t>
+            </a:r>
+          </a:p>
+          <a:p>
+            <a:pPr lvl="2">
+              <a:spcBef>
+                <a:spcPts val="300"/>
+              </a:spcBef>
+            </a:pPr>
+            <a:r>
+              <a:rPr lang="en-US" altLang="en-US" sz="2800" dirty="0"/>
+              <a:t>Roll back if location is </a:t>
+            </a:r>
+            <a:r>
+              <a:rPr lang="en-US" altLang="en-US" sz="2800" dirty="0" smtClean="0"/>
+              <a:t>updated</a:t>
+            </a:r>
+            <a:endParaRPr lang="en-AU" altLang="en-US" sz="2800" dirty="0"/>
           </a:p>
         </p:txBody>
       </p:sp>
@@ -5512,7 +5344,7 @@
           <a:p>
             <a:r>
               <a:rPr lang="en-US" altLang="en-US" dirty="0"/>
-              <a:t>Static Multiple Issue</a:t>
+              <a:t>Speculation</a:t>
             </a:r>
             <a:endParaRPr lang="en-US" dirty="0"/>
           </a:p>
@@ -5521,7 +5353,7 @@
     </p:spTree>
     <p:extLst>
       <p:ext uri="{BB962C8B-B14F-4D97-AF65-F5344CB8AC3E}">
-        <p14:creationId xmlns:p14="http://schemas.microsoft.com/office/powerpoint/2010/main" xmlns="" val="513492954"/>
+        <p14:creationId xmlns:p14="http://schemas.microsoft.com/office/powerpoint/2010/main" xmlns="" val="210899378"/>
       </p:ext>
     </p:extLst>
   </p:cSld>
@@ -5573,7 +5405,7 @@
             </a:pPr>
             <a:r>
               <a:rPr lang="en-US" altLang="en-US" dirty="0"/>
-              <a:t>Compiler must remove some/all hazards</a:t>
+              <a:t>Compiler can reorder instructions</a:t>
             </a:r>
           </a:p>
           <a:p>
@@ -5587,7 +5419,7 @@
             </a:pPr>
             <a:r>
               <a:rPr lang="en-US" altLang="en-US" dirty="0"/>
-              <a:t>Reorder instructions into issue packets</a:t>
+              <a:t>e.g., move load before branch</a:t>
             </a:r>
           </a:p>
           <a:p>
@@ -5601,7 +5433,21 @@
             </a:pPr>
             <a:r>
               <a:rPr lang="en-US" altLang="en-US" dirty="0"/>
-              <a:t>No dependencies with a packet</a:t>
+              <a:t>Can include “fix-up” instructions to recover from incorrect guess</a:t>
+            </a:r>
+          </a:p>
+          <a:p>
+            <a:pPr>
+              <a:lnSpc>
+                <a:spcPct val="100000"/>
+              </a:lnSpc>
+              <a:spcBef>
+                <a:spcPts val="1800"/>
+              </a:spcBef>
+            </a:pPr>
+            <a:r>
+              <a:rPr lang="en-US" altLang="en-US" dirty="0"/>
+              <a:t>Hardware can look ahead for instructions to execute</a:t>
             </a:r>
           </a:p>
           <a:p>
@@ -5615,21 +5461,7 @@
             </a:pPr>
             <a:r>
               <a:rPr lang="en-US" altLang="en-US" dirty="0"/>
-              <a:t>Possibly some dependencies between packets</a:t>
-            </a:r>
-          </a:p>
-          <a:p>
-            <a:pPr lvl="2">
-              <a:lnSpc>
-                <a:spcPct val="100000"/>
-              </a:lnSpc>
-              <a:spcBef>
-                <a:spcPts val="1800"/>
-              </a:spcBef>
-            </a:pPr>
-            <a:r>
-              <a:rPr lang="en-US" altLang="en-US" sz="2800" dirty="0"/>
-              <a:t>Varies between ISAs; compiler must know!</a:t>
+              <a:t>Buffer results until it determines they are actually needed</a:t>
             </a:r>
           </a:p>
           <a:p>
@@ -5643,19 +5475,11 @@
             </a:pPr>
             <a:r>
               <a:rPr lang="en-US" altLang="en-US" dirty="0"/>
-              <a:t>Pad with </a:t>
-            </a:r>
-            <a:r>
-              <a:rPr lang="en-US" altLang="en-US" dirty="0" err="1"/>
-              <a:t>nop</a:t>
-            </a:r>
-            <a:r>
-              <a:rPr lang="en-US" altLang="en-US" dirty="0"/>
-              <a:t> if </a:t>
+              <a:t>Flush buffers on incorrect </a:t>
             </a:r>
             <a:r>
               <a:rPr lang="en-US" altLang="en-US" dirty="0" smtClean="0"/>
-              <a:t>necessary</a:t>
+              <a:t>speculation</a:t>
             </a:r>
             <a:endParaRPr lang="en-AU" altLang="en-US" dirty="0"/>
           </a:p>
@@ -5703,6 +5527,386 @@
           <a:p>
             <a:r>
               <a:rPr lang="en-US" altLang="en-US" dirty="0"/>
+              <a:t>Compiler/Hardware Speculation</a:t>
+            </a:r>
+            <a:endParaRPr lang="en-US" dirty="0"/>
+          </a:p>
+        </p:txBody>
+      </p:sp>
+    </p:spTree>
+    <p:extLst>
+      <p:ext uri="{BB962C8B-B14F-4D97-AF65-F5344CB8AC3E}">
+        <p14:creationId xmlns:p14="http://schemas.microsoft.com/office/powerpoint/2010/main" xmlns="" val="2150303579"/>
+      </p:ext>
+    </p:extLst>
+  </p:cSld>
+  <p:clrMapOvr>
+    <a:masterClrMapping/>
+  </p:clrMapOvr>
+</p:sld>
+</file>
+
+<file path=ppt/slides/slide18.xml><?xml version="1.0" encoding="utf-8"?>
+<p:sld xmlns:a="http://schemas.openxmlformats.org/drawingml/2006/main" xmlns:r="http://schemas.openxmlformats.org/officeDocument/2006/relationships" xmlns:p="http://schemas.openxmlformats.org/presentationml/2006/main">
+  <p:cSld>
+    <p:spTree>
+      <p:nvGrpSpPr>
+        <p:cNvPr id="1" name=""/>
+        <p:cNvGrpSpPr/>
+        <p:nvPr/>
+      </p:nvGrpSpPr>
+      <p:grpSpPr>
+        <a:xfrm>
+          <a:off x="0" y="0"/>
+          <a:ext cx="0" cy="0"/>
+          <a:chOff x="0" y="0"/>
+          <a:chExt cx="0" cy="0"/>
+        </a:xfrm>
+      </p:grpSpPr>
+      <p:sp>
+        <p:nvSpPr>
+          <p:cNvPr id="2" name="Content Placeholder 1"/>
+          <p:cNvSpPr>
+            <a:spLocks noGrp="1"/>
+          </p:cNvSpPr>
+          <p:nvPr>
+            <p:ph idx="1"/>
+          </p:nvPr>
+        </p:nvSpPr>
+        <p:spPr/>
+        <p:txBody>
+          <a:bodyPr/>
+          <a:lstStyle/>
+          <a:p>
+            <a:pPr>
+              <a:lnSpc>
+                <a:spcPct val="100000"/>
+              </a:lnSpc>
+              <a:spcBef>
+                <a:spcPts val="1800"/>
+              </a:spcBef>
+            </a:pPr>
+            <a:r>
+              <a:rPr lang="en-US" altLang="en-US" dirty="0"/>
+              <a:t>Compiler groups instructions into “issue packets”</a:t>
+            </a:r>
+          </a:p>
+          <a:p>
+            <a:pPr lvl="1">
+              <a:lnSpc>
+                <a:spcPct val="100000"/>
+              </a:lnSpc>
+              <a:spcBef>
+                <a:spcPts val="1800"/>
+              </a:spcBef>
+            </a:pPr>
+            <a:r>
+              <a:rPr lang="en-US" altLang="en-US" dirty="0"/>
+              <a:t>Group of instructions that can be issued on a single cycle</a:t>
+            </a:r>
+          </a:p>
+          <a:p>
+            <a:pPr lvl="1">
+              <a:lnSpc>
+                <a:spcPct val="100000"/>
+              </a:lnSpc>
+              <a:spcBef>
+                <a:spcPts val="1800"/>
+              </a:spcBef>
+            </a:pPr>
+            <a:r>
+              <a:rPr lang="en-US" altLang="en-US" dirty="0"/>
+              <a:t>Determined by pipeline resources required</a:t>
+            </a:r>
+          </a:p>
+          <a:p>
+            <a:pPr>
+              <a:lnSpc>
+                <a:spcPct val="100000"/>
+              </a:lnSpc>
+              <a:spcBef>
+                <a:spcPts val="1800"/>
+              </a:spcBef>
+            </a:pPr>
+            <a:r>
+              <a:rPr lang="en-US" altLang="en-US" dirty="0"/>
+              <a:t>Think of an issue packet as a very long instruction</a:t>
+            </a:r>
+          </a:p>
+          <a:p>
+            <a:pPr lvl="1">
+              <a:lnSpc>
+                <a:spcPct val="100000"/>
+              </a:lnSpc>
+              <a:spcBef>
+                <a:spcPts val="1800"/>
+              </a:spcBef>
+            </a:pPr>
+            <a:r>
+              <a:rPr lang="en-US" altLang="en-US" dirty="0"/>
+              <a:t>Specifies multiple concurrent operations</a:t>
+            </a:r>
+          </a:p>
+          <a:p>
+            <a:pPr lvl="1">
+              <a:lnSpc>
+                <a:spcPct val="100000"/>
+              </a:lnSpc>
+              <a:spcBef>
+                <a:spcPts val="1800"/>
+              </a:spcBef>
+            </a:pPr>
+            <a:r>
+              <a:rPr lang="en-US" altLang="en-US" dirty="0">
+                <a:sym typeface="Symbol" panose="05050102010706020507" pitchFamily="18" charset="2"/>
+              </a:rPr>
+              <a:t> Very Long Instruction Word (</a:t>
+            </a:r>
+            <a:r>
+              <a:rPr lang="en-US" altLang="en-US" dirty="0"/>
+              <a:t>VLIW</a:t>
+            </a:r>
+            <a:r>
+              <a:rPr lang="en-US" altLang="en-US" dirty="0" smtClean="0"/>
+              <a:t>)</a:t>
+            </a:r>
+            <a:endParaRPr lang="en-US" altLang="en-US" dirty="0"/>
+          </a:p>
+        </p:txBody>
+      </p:sp>
+      <p:sp>
+        <p:nvSpPr>
+          <p:cNvPr id="3" name="Slide Number Placeholder 2"/>
+          <p:cNvSpPr>
+            <a:spLocks noGrp="1"/>
+          </p:cNvSpPr>
+          <p:nvPr>
+            <p:ph type="sldNum" sz="quarter" idx="12"/>
+          </p:nvPr>
+        </p:nvSpPr>
+        <p:spPr/>
+        <p:txBody>
+          <a:bodyPr/>
+          <a:lstStyle/>
+          <a:p>
+            <a:pPr algn="ctr"/>
+            <a:fld id="{1397BFD8-F312-4EF2-A268-44FB4BDDBBB0}" type="slidenum">
+              <a:rPr lang="ru-RU" smtClean="0"/>
+              <a:pPr algn="ctr"/>
+              <a:t>18</a:t>
+            </a:fld>
+            <a:endParaRPr lang="ru-RU" dirty="0"/>
+          </a:p>
+        </p:txBody>
+      </p:sp>
+      <p:sp>
+        <p:nvSpPr>
+          <p:cNvPr id="4" name="Title 3"/>
+          <p:cNvSpPr>
+            <a:spLocks noGrp="1"/>
+          </p:cNvSpPr>
+          <p:nvPr>
+            <p:ph type="title"/>
+          </p:nvPr>
+        </p:nvSpPr>
+        <p:spPr/>
+        <p:txBody>
+          <a:bodyPr/>
+          <a:lstStyle/>
+          <a:p>
+            <a:r>
+              <a:rPr lang="en-US" altLang="en-US" dirty="0"/>
+              <a:t>Static Multiple Issue</a:t>
+            </a:r>
+            <a:endParaRPr lang="en-US" dirty="0"/>
+          </a:p>
+        </p:txBody>
+      </p:sp>
+    </p:spTree>
+    <p:extLst>
+      <p:ext uri="{BB962C8B-B14F-4D97-AF65-F5344CB8AC3E}">
+        <p14:creationId xmlns:p14="http://schemas.microsoft.com/office/powerpoint/2010/main" xmlns="" val="513492954"/>
+      </p:ext>
+    </p:extLst>
+  </p:cSld>
+  <p:clrMapOvr>
+    <a:masterClrMapping/>
+  </p:clrMapOvr>
+</p:sld>
+</file>
+
+<file path=ppt/slides/slide19.xml><?xml version="1.0" encoding="utf-8"?>
+<p:sld xmlns:a="http://schemas.openxmlformats.org/drawingml/2006/main" xmlns:r="http://schemas.openxmlformats.org/officeDocument/2006/relationships" xmlns:p="http://schemas.openxmlformats.org/presentationml/2006/main">
+  <p:cSld>
+    <p:spTree>
+      <p:nvGrpSpPr>
+        <p:cNvPr id="1" name=""/>
+        <p:cNvGrpSpPr/>
+        <p:nvPr/>
+      </p:nvGrpSpPr>
+      <p:grpSpPr>
+        <a:xfrm>
+          <a:off x="0" y="0"/>
+          <a:ext cx="0" cy="0"/>
+          <a:chOff x="0" y="0"/>
+          <a:chExt cx="0" cy="0"/>
+        </a:xfrm>
+      </p:grpSpPr>
+      <p:sp>
+        <p:nvSpPr>
+          <p:cNvPr id="2" name="Content Placeholder 1"/>
+          <p:cNvSpPr>
+            <a:spLocks noGrp="1"/>
+          </p:cNvSpPr>
+          <p:nvPr>
+            <p:ph idx="1"/>
+          </p:nvPr>
+        </p:nvSpPr>
+        <p:spPr/>
+        <p:txBody>
+          <a:bodyPr/>
+          <a:lstStyle/>
+          <a:p>
+            <a:pPr>
+              <a:lnSpc>
+                <a:spcPct val="100000"/>
+              </a:lnSpc>
+              <a:spcBef>
+                <a:spcPts val="1800"/>
+              </a:spcBef>
+            </a:pPr>
+            <a:r>
+              <a:rPr lang="en-US" altLang="en-US" dirty="0"/>
+              <a:t>Compiler must remove some/all hazards</a:t>
+            </a:r>
+          </a:p>
+          <a:p>
+            <a:pPr lvl="1">
+              <a:lnSpc>
+                <a:spcPct val="100000"/>
+              </a:lnSpc>
+              <a:spcBef>
+                <a:spcPts val="1800"/>
+              </a:spcBef>
+            </a:pPr>
+            <a:r>
+              <a:rPr lang="en-US" altLang="en-US" dirty="0"/>
+              <a:t>Reorder instructions into issue packets</a:t>
+            </a:r>
+          </a:p>
+          <a:p>
+            <a:pPr lvl="1">
+              <a:lnSpc>
+                <a:spcPct val="100000"/>
+              </a:lnSpc>
+              <a:spcBef>
+                <a:spcPts val="1800"/>
+              </a:spcBef>
+            </a:pPr>
+            <a:r>
+              <a:rPr lang="en-US" altLang="en-US" dirty="0"/>
+              <a:t>No dependencies with a packet</a:t>
+            </a:r>
+          </a:p>
+          <a:p>
+            <a:pPr lvl="1">
+              <a:lnSpc>
+                <a:spcPct val="100000"/>
+              </a:lnSpc>
+              <a:spcBef>
+                <a:spcPts val="1800"/>
+              </a:spcBef>
+            </a:pPr>
+            <a:r>
+              <a:rPr lang="en-US" altLang="en-US" dirty="0"/>
+              <a:t>Possibly some dependencies between packets</a:t>
+            </a:r>
+          </a:p>
+          <a:p>
+            <a:pPr lvl="2">
+              <a:lnSpc>
+                <a:spcPct val="100000"/>
+              </a:lnSpc>
+              <a:spcBef>
+                <a:spcPts val="1800"/>
+              </a:spcBef>
+            </a:pPr>
+            <a:r>
+              <a:rPr lang="en-US" altLang="en-US" sz="2800" dirty="0"/>
+              <a:t>Varies between ISAs; compiler must know!</a:t>
+            </a:r>
+          </a:p>
+          <a:p>
+            <a:pPr lvl="1">
+              <a:lnSpc>
+                <a:spcPct val="100000"/>
+              </a:lnSpc>
+              <a:spcBef>
+                <a:spcPts val="1800"/>
+              </a:spcBef>
+            </a:pPr>
+            <a:r>
+              <a:rPr lang="en-US" altLang="en-US" dirty="0"/>
+              <a:t>Pad with </a:t>
+            </a:r>
+            <a:r>
+              <a:rPr lang="en-US" altLang="en-US" dirty="0" err="1"/>
+              <a:t>nop</a:t>
+            </a:r>
+            <a:r>
+              <a:rPr lang="en-US" altLang="en-US" dirty="0"/>
+              <a:t> if </a:t>
+            </a:r>
+            <a:r>
+              <a:rPr lang="en-US" altLang="en-US" dirty="0" smtClean="0"/>
+              <a:t>necessary</a:t>
+            </a:r>
+            <a:endParaRPr lang="en-AU" altLang="en-US" dirty="0"/>
+          </a:p>
+        </p:txBody>
+      </p:sp>
+      <p:sp>
+        <p:nvSpPr>
+          <p:cNvPr id="3" name="Slide Number Placeholder 2"/>
+          <p:cNvSpPr>
+            <a:spLocks noGrp="1"/>
+          </p:cNvSpPr>
+          <p:nvPr>
+            <p:ph type="sldNum" sz="quarter" idx="12"/>
+          </p:nvPr>
+        </p:nvSpPr>
+        <p:spPr/>
+        <p:txBody>
+          <a:bodyPr/>
+          <a:lstStyle/>
+          <a:p>
+            <a:pPr algn="ctr"/>
+            <a:fld id="{1397BFD8-F312-4EF2-A268-44FB4BDDBBB0}" type="slidenum">
+              <a:rPr lang="ru-RU" smtClean="0"/>
+              <a:pPr algn="ctr"/>
+              <a:t>19</a:t>
+            </a:fld>
+            <a:endParaRPr lang="ru-RU" dirty="0"/>
+          </a:p>
+        </p:txBody>
+      </p:sp>
+      <p:sp>
+        <p:nvSpPr>
+          <p:cNvPr id="4" name="Title 3"/>
+          <p:cNvSpPr>
+            <a:spLocks noGrp="1"/>
+          </p:cNvSpPr>
+          <p:nvPr>
+            <p:ph type="title"/>
+          </p:nvPr>
+        </p:nvSpPr>
+        <p:spPr/>
+        <p:txBody>
+          <a:bodyPr/>
+          <a:lstStyle/>
+          <a:p>
+            <a:r>
+              <a:rPr lang="en-US" altLang="en-US" dirty="0"/>
               <a:t>Scheduling Static Multiple Issue</a:t>
             </a:r>
             <a:endParaRPr lang="en-US" dirty="0"/>
@@ -5722,7 +5926,178 @@
 </p:sld>
 </file>
 
-<file path=ppt/slides/slide18.xml><?xml version="1.0" encoding="utf-8"?>
+<file path=ppt/slides/slide2.xml><?xml version="1.0" encoding="utf-8"?>
+<p:sld xmlns:a="http://schemas.openxmlformats.org/drawingml/2006/main" xmlns:r="http://schemas.openxmlformats.org/officeDocument/2006/relationships" xmlns:p="http://schemas.openxmlformats.org/presentationml/2006/main">
+  <p:cSld>
+    <p:spTree>
+      <p:nvGrpSpPr>
+        <p:cNvPr id="1" name=""/>
+        <p:cNvGrpSpPr/>
+        <p:nvPr/>
+      </p:nvGrpSpPr>
+      <p:grpSpPr>
+        <a:xfrm>
+          <a:off x="0" y="0"/>
+          <a:ext cx="0" cy="0"/>
+          <a:chOff x="0" y="0"/>
+          <a:chExt cx="0" cy="0"/>
+        </a:xfrm>
+      </p:grpSpPr>
+      <p:sp>
+        <p:nvSpPr>
+          <p:cNvPr id="2" name="Content Placeholder 1"/>
+          <p:cNvSpPr>
+            <a:spLocks noGrp="1"/>
+          </p:cNvSpPr>
+          <p:nvPr>
+            <p:ph idx="1"/>
+          </p:nvPr>
+        </p:nvSpPr>
+        <p:spPr>
+          <a:xfrm>
+            <a:off x="838200" y="1178053"/>
+            <a:ext cx="10532504" cy="5492304"/>
+          </a:xfrm>
+        </p:spPr>
+        <p:txBody>
+          <a:bodyPr/>
+          <a:lstStyle/>
+          <a:p>
+            <a:r>
+              <a:rPr lang="en-US" altLang="en-US" dirty="0"/>
+              <a:t>“Unexpected” events requiring change</a:t>
+            </a:r>
+            <a:br>
+              <a:rPr lang="en-US" altLang="en-US" dirty="0"/>
+            </a:br>
+            <a:r>
+              <a:rPr lang="en-US" altLang="en-US" dirty="0"/>
+              <a:t>in flow of control</a:t>
+            </a:r>
+          </a:p>
+          <a:p>
+            <a:pPr lvl="1"/>
+            <a:r>
+              <a:rPr lang="en-US" altLang="en-US" dirty="0"/>
+              <a:t>Different ISAs use the terms differently</a:t>
+            </a:r>
+          </a:p>
+          <a:p>
+            <a:r>
+              <a:rPr lang="en-US" altLang="en-US" dirty="0"/>
+              <a:t>Exception</a:t>
+            </a:r>
+          </a:p>
+          <a:p>
+            <a:pPr lvl="1"/>
+            <a:r>
+              <a:rPr lang="en-US" altLang="en-US" dirty="0"/>
+              <a:t>Arises within the CPU</a:t>
+            </a:r>
+          </a:p>
+          <a:p>
+            <a:pPr lvl="2"/>
+            <a:r>
+              <a:rPr lang="en-US" altLang="en-US" sz="2800" dirty="0"/>
+              <a:t>e.g., undefined opcode, </a:t>
+            </a:r>
+            <a:r>
+              <a:rPr lang="en-US" altLang="en-US" sz="2800" dirty="0" err="1"/>
+              <a:t>syscall</a:t>
+            </a:r>
+            <a:r>
+              <a:rPr lang="en-US" altLang="en-US" sz="2800" dirty="0"/>
+              <a:t>, …</a:t>
+            </a:r>
+          </a:p>
+          <a:p>
+            <a:r>
+              <a:rPr lang="en-US" altLang="en-US" dirty="0"/>
+              <a:t>Interrupt</a:t>
+            </a:r>
+          </a:p>
+          <a:p>
+            <a:pPr lvl="1"/>
+            <a:r>
+              <a:rPr lang="en-US" altLang="en-US" dirty="0"/>
+              <a:t>From an external I/O controller</a:t>
+            </a:r>
+          </a:p>
+          <a:p>
+            <a:r>
+              <a:rPr lang="en-US" altLang="en-US" dirty="0"/>
+              <a:t>Dealing with them without sacrificing performance is </a:t>
+            </a:r>
+            <a:r>
+              <a:rPr lang="en-US" altLang="en-US" dirty="0" smtClean="0"/>
+              <a:t>hard</a:t>
+            </a:r>
+            <a:endParaRPr lang="en-AU" altLang="en-US" dirty="0"/>
+          </a:p>
+        </p:txBody>
+      </p:sp>
+      <p:sp>
+        <p:nvSpPr>
+          <p:cNvPr id="3" name="Slide Number Placeholder 2"/>
+          <p:cNvSpPr>
+            <a:spLocks noGrp="1"/>
+          </p:cNvSpPr>
+          <p:nvPr>
+            <p:ph type="sldNum" sz="quarter" idx="12"/>
+          </p:nvPr>
+        </p:nvSpPr>
+        <p:spPr/>
+        <p:txBody>
+          <a:bodyPr/>
+          <a:lstStyle/>
+          <a:p>
+            <a:pPr algn="ctr"/>
+            <a:fld id="{1397BFD8-F312-4EF2-A268-44FB4BDDBBB0}" type="slidenum">
+              <a:rPr lang="ru-RU" smtClean="0"/>
+              <a:pPr algn="ctr"/>
+              <a:t>2</a:t>
+            </a:fld>
+            <a:endParaRPr lang="ru-RU" dirty="0"/>
+          </a:p>
+        </p:txBody>
+      </p:sp>
+      <p:sp>
+        <p:nvSpPr>
+          <p:cNvPr id="4" name="Title 3"/>
+          <p:cNvSpPr>
+            <a:spLocks noGrp="1"/>
+          </p:cNvSpPr>
+          <p:nvPr>
+            <p:ph type="title"/>
+          </p:nvPr>
+        </p:nvSpPr>
+        <p:spPr/>
+        <p:txBody>
+          <a:bodyPr/>
+          <a:lstStyle/>
+          <a:p>
+            <a:r>
+              <a:rPr lang="en-US" altLang="en-US" dirty="0"/>
+              <a:t>Exceptions and Interrupts</a:t>
+            </a:r>
+            <a:endParaRPr lang="en-US" dirty="0"/>
+          </a:p>
+        </p:txBody>
+      </p:sp>
+    </p:spTree>
+    <p:extLst>
+      <p:ext uri="{BB962C8B-B14F-4D97-AF65-F5344CB8AC3E}">
+        <p14:creationId xmlns:p14="http://schemas.microsoft.com/office/powerpoint/2010/main" xmlns="" val="3257289386"/>
+      </p:ext>
+    </p:extLst>
+  </p:cSld>
+  <p:clrMapOvr>
+    <a:masterClrMapping/>
+  </p:clrMapOvr>
+</p:sld>
+</file>
+
+<file path=ppt/slides/slide20.xml><?xml version="1.0" encoding="utf-8"?>
 <p:sld xmlns:a="http://schemas.openxmlformats.org/drawingml/2006/main" xmlns:r="http://schemas.openxmlformats.org/officeDocument/2006/relationships" xmlns:p="http://schemas.openxmlformats.org/presentationml/2006/main">
   <p:cSld>
     <p:spTree>
@@ -5827,7 +6202,7 @@
             <a:fld id="{1397BFD8-F312-4EF2-A268-44FB4BDDBBB0}" type="slidenum">
               <a:rPr lang="ru-RU" smtClean="0"/>
               <a:pPr algn="ctr"/>
-              <a:t>18</a:t>
+              <a:t>20</a:t>
             </a:fld>
             <a:endParaRPr lang="ru-RU" dirty="0"/>
           </a:p>
@@ -11182,618 +11557,6 @@
 </p:sld>
 </file>
 
-<file path=ppt/slides/slide19.xml><?xml version="1.0" encoding="utf-8"?>
-<p:sld xmlns:a="http://schemas.openxmlformats.org/drawingml/2006/main" xmlns:r="http://schemas.openxmlformats.org/officeDocument/2006/relationships" xmlns:p="http://schemas.openxmlformats.org/presentationml/2006/main">
-  <p:cSld>
-    <p:spTree>
-      <p:nvGrpSpPr>
-        <p:cNvPr id="1" name=""/>
-        <p:cNvGrpSpPr/>
-        <p:nvPr/>
-      </p:nvGrpSpPr>
-      <p:grpSpPr>
-        <a:xfrm>
-          <a:off x="0" y="0"/>
-          <a:ext cx="0" cy="0"/>
-          <a:chOff x="0" y="0"/>
-          <a:chExt cx="0" cy="0"/>
-        </a:xfrm>
-      </p:grpSpPr>
-      <p:sp>
-        <p:nvSpPr>
-          <p:cNvPr id="2" name="Content Placeholder 1"/>
-          <p:cNvSpPr>
-            <a:spLocks noGrp="1"/>
-          </p:cNvSpPr>
-          <p:nvPr>
-            <p:ph idx="1"/>
-          </p:nvPr>
-        </p:nvSpPr>
-        <p:spPr/>
-        <p:txBody>
-          <a:bodyPr/>
-          <a:lstStyle/>
-          <a:p>
-            <a:pPr>
-              <a:lnSpc>
-                <a:spcPct val="100000"/>
-              </a:lnSpc>
-              <a:spcBef>
-                <a:spcPts val="600"/>
-              </a:spcBef>
-            </a:pPr>
-            <a:r>
-              <a:rPr lang="en-US" altLang="en-US" dirty="0"/>
-              <a:t>“</a:t>
-            </a:r>
-            <a:r>
-              <a:rPr lang="en-US" altLang="en-US" dirty="0" smtClean="0"/>
-              <a:t>Superscalar” </a:t>
-            </a:r>
-            <a:r>
-              <a:rPr lang="en-US" altLang="en-US" dirty="0"/>
-              <a:t>processors</a:t>
-            </a:r>
-          </a:p>
-          <a:p>
-            <a:pPr>
-              <a:lnSpc>
-                <a:spcPct val="100000"/>
-              </a:lnSpc>
-              <a:spcBef>
-                <a:spcPts val="600"/>
-              </a:spcBef>
-            </a:pPr>
-            <a:r>
-              <a:rPr lang="en-US" altLang="en-US" dirty="0"/>
-              <a:t>CPU decides whether to issue 0, 1, 2, … each cycle</a:t>
-            </a:r>
-          </a:p>
-          <a:p>
-            <a:pPr lvl="1">
-              <a:lnSpc>
-                <a:spcPct val="100000"/>
-              </a:lnSpc>
-              <a:spcBef>
-                <a:spcPts val="600"/>
-              </a:spcBef>
-            </a:pPr>
-            <a:r>
-              <a:rPr lang="en-US" altLang="en-US" dirty="0"/>
-              <a:t>Avoiding structural and data hazards</a:t>
-            </a:r>
-          </a:p>
-          <a:p>
-            <a:pPr>
-              <a:lnSpc>
-                <a:spcPct val="100000"/>
-              </a:lnSpc>
-              <a:spcBef>
-                <a:spcPts val="600"/>
-              </a:spcBef>
-            </a:pPr>
-            <a:r>
-              <a:rPr lang="en-US" altLang="en-US" dirty="0"/>
-              <a:t>Avoids the need for compiler scheduling</a:t>
-            </a:r>
-          </a:p>
-          <a:p>
-            <a:pPr lvl="1">
-              <a:lnSpc>
-                <a:spcPct val="100000"/>
-              </a:lnSpc>
-              <a:spcBef>
-                <a:spcPts val="600"/>
-              </a:spcBef>
-            </a:pPr>
-            <a:r>
-              <a:rPr lang="en-US" altLang="en-US" dirty="0"/>
-              <a:t>Though it may still help</a:t>
-            </a:r>
-          </a:p>
-          <a:p>
-            <a:pPr lvl="1">
-              <a:lnSpc>
-                <a:spcPct val="100000"/>
-              </a:lnSpc>
-              <a:spcBef>
-                <a:spcPts val="600"/>
-              </a:spcBef>
-            </a:pPr>
-            <a:r>
-              <a:rPr lang="en-US" altLang="en-US" dirty="0"/>
-              <a:t>Code semantics ensured by the </a:t>
-            </a:r>
-            <a:r>
-              <a:rPr lang="en-US" altLang="en-US" dirty="0" smtClean="0"/>
-              <a:t>CPU</a:t>
-            </a:r>
-            <a:endParaRPr lang="en-AU" altLang="en-US" dirty="0"/>
-          </a:p>
-        </p:txBody>
-      </p:sp>
-      <p:sp>
-        <p:nvSpPr>
-          <p:cNvPr id="3" name="Slide Number Placeholder 2"/>
-          <p:cNvSpPr>
-            <a:spLocks noGrp="1"/>
-          </p:cNvSpPr>
-          <p:nvPr>
-            <p:ph type="sldNum" sz="quarter" idx="12"/>
-          </p:nvPr>
-        </p:nvSpPr>
-        <p:spPr/>
-        <p:txBody>
-          <a:bodyPr/>
-          <a:lstStyle/>
-          <a:p>
-            <a:pPr algn="ctr"/>
-            <a:fld id="{1397BFD8-F312-4EF2-A268-44FB4BDDBBB0}" type="slidenum">
-              <a:rPr lang="ru-RU" smtClean="0"/>
-              <a:pPr algn="ctr"/>
-              <a:t>19</a:t>
-            </a:fld>
-            <a:endParaRPr lang="ru-RU" dirty="0"/>
-          </a:p>
-        </p:txBody>
-      </p:sp>
-      <p:sp>
-        <p:nvSpPr>
-          <p:cNvPr id="4" name="Title 3"/>
-          <p:cNvSpPr>
-            <a:spLocks noGrp="1"/>
-          </p:cNvSpPr>
-          <p:nvPr>
-            <p:ph type="title"/>
-          </p:nvPr>
-        </p:nvSpPr>
-        <p:spPr/>
-        <p:txBody>
-          <a:bodyPr/>
-          <a:lstStyle/>
-          <a:p>
-            <a:r>
-              <a:rPr lang="en-US" altLang="en-US" dirty="0"/>
-              <a:t>Dynamic Multiple Issue</a:t>
-            </a:r>
-            <a:endParaRPr lang="en-US" dirty="0"/>
-          </a:p>
-        </p:txBody>
-      </p:sp>
-    </p:spTree>
-    <p:extLst>
-      <p:ext uri="{BB962C8B-B14F-4D97-AF65-F5344CB8AC3E}">
-        <p14:creationId xmlns:p14="http://schemas.microsoft.com/office/powerpoint/2010/main" xmlns="" val="3972697766"/>
-      </p:ext>
-    </p:extLst>
-  </p:cSld>
-  <p:clrMapOvr>
-    <a:masterClrMapping/>
-  </p:clrMapOvr>
-</p:sld>
-</file>
-
-<file path=ppt/slides/slide2.xml><?xml version="1.0" encoding="utf-8"?>
-<p:sld xmlns:a="http://schemas.openxmlformats.org/drawingml/2006/main" xmlns:r="http://schemas.openxmlformats.org/officeDocument/2006/relationships" xmlns:p="http://schemas.openxmlformats.org/presentationml/2006/main">
-  <p:cSld>
-    <p:spTree>
-      <p:nvGrpSpPr>
-        <p:cNvPr id="1" name=""/>
-        <p:cNvGrpSpPr/>
-        <p:nvPr/>
-      </p:nvGrpSpPr>
-      <p:grpSpPr>
-        <a:xfrm>
-          <a:off x="0" y="0"/>
-          <a:ext cx="0" cy="0"/>
-          <a:chOff x="0" y="0"/>
-          <a:chExt cx="0" cy="0"/>
-        </a:xfrm>
-      </p:grpSpPr>
-      <p:sp>
-        <p:nvSpPr>
-          <p:cNvPr id="2" name="Content Placeholder 1"/>
-          <p:cNvSpPr>
-            <a:spLocks noGrp="1"/>
-          </p:cNvSpPr>
-          <p:nvPr>
-            <p:ph idx="1"/>
-          </p:nvPr>
-        </p:nvSpPr>
-        <p:spPr>
-          <a:xfrm>
-            <a:off x="838200" y="1178053"/>
-            <a:ext cx="10532504" cy="5492304"/>
-          </a:xfrm>
-        </p:spPr>
-        <p:txBody>
-          <a:bodyPr/>
-          <a:lstStyle/>
-          <a:p>
-            <a:r>
-              <a:rPr lang="en-US" altLang="en-US" dirty="0"/>
-              <a:t>“Unexpected” events requiring change</a:t>
-            </a:r>
-            <a:br>
-              <a:rPr lang="en-US" altLang="en-US" dirty="0"/>
-            </a:br>
-            <a:r>
-              <a:rPr lang="en-US" altLang="en-US" dirty="0"/>
-              <a:t>in flow of control</a:t>
-            </a:r>
-          </a:p>
-          <a:p>
-            <a:pPr lvl="1"/>
-            <a:r>
-              <a:rPr lang="en-US" altLang="en-US" dirty="0"/>
-              <a:t>Different ISAs use the terms differently</a:t>
-            </a:r>
-          </a:p>
-          <a:p>
-            <a:r>
-              <a:rPr lang="en-US" altLang="en-US" dirty="0"/>
-              <a:t>Exception</a:t>
-            </a:r>
-          </a:p>
-          <a:p>
-            <a:pPr lvl="1"/>
-            <a:r>
-              <a:rPr lang="en-US" altLang="en-US" dirty="0"/>
-              <a:t>Arises within the CPU</a:t>
-            </a:r>
-          </a:p>
-          <a:p>
-            <a:pPr lvl="2"/>
-            <a:r>
-              <a:rPr lang="en-US" altLang="en-US" sz="2800" dirty="0"/>
-              <a:t>e.g., undefined opcode, </a:t>
-            </a:r>
-            <a:r>
-              <a:rPr lang="en-US" altLang="en-US" sz="2800" dirty="0" err="1"/>
-              <a:t>syscall</a:t>
-            </a:r>
-            <a:r>
-              <a:rPr lang="en-US" altLang="en-US" sz="2800" dirty="0"/>
-              <a:t>, …</a:t>
-            </a:r>
-          </a:p>
-          <a:p>
-            <a:r>
-              <a:rPr lang="en-US" altLang="en-US" dirty="0"/>
-              <a:t>Interrupt</a:t>
-            </a:r>
-          </a:p>
-          <a:p>
-            <a:pPr lvl="1"/>
-            <a:r>
-              <a:rPr lang="en-US" altLang="en-US" dirty="0"/>
-              <a:t>From an external I/O controller</a:t>
-            </a:r>
-          </a:p>
-          <a:p>
-            <a:r>
-              <a:rPr lang="en-US" altLang="en-US" dirty="0"/>
-              <a:t>Dealing with them without sacrificing performance is </a:t>
-            </a:r>
-            <a:r>
-              <a:rPr lang="en-US" altLang="en-US" dirty="0" smtClean="0"/>
-              <a:t>hard</a:t>
-            </a:r>
-            <a:endParaRPr lang="en-AU" altLang="en-US" dirty="0"/>
-          </a:p>
-        </p:txBody>
-      </p:sp>
-      <p:sp>
-        <p:nvSpPr>
-          <p:cNvPr id="3" name="Slide Number Placeholder 2"/>
-          <p:cNvSpPr>
-            <a:spLocks noGrp="1"/>
-          </p:cNvSpPr>
-          <p:nvPr>
-            <p:ph type="sldNum" sz="quarter" idx="12"/>
-          </p:nvPr>
-        </p:nvSpPr>
-        <p:spPr/>
-        <p:txBody>
-          <a:bodyPr/>
-          <a:lstStyle/>
-          <a:p>
-            <a:pPr algn="ctr"/>
-            <a:fld id="{1397BFD8-F312-4EF2-A268-44FB4BDDBBB0}" type="slidenum">
-              <a:rPr lang="ru-RU" smtClean="0"/>
-              <a:pPr algn="ctr"/>
-              <a:t>2</a:t>
-            </a:fld>
-            <a:endParaRPr lang="ru-RU" dirty="0"/>
-          </a:p>
-        </p:txBody>
-      </p:sp>
-      <p:sp>
-        <p:nvSpPr>
-          <p:cNvPr id="4" name="Title 3"/>
-          <p:cNvSpPr>
-            <a:spLocks noGrp="1"/>
-          </p:cNvSpPr>
-          <p:nvPr>
-            <p:ph type="title"/>
-          </p:nvPr>
-        </p:nvSpPr>
-        <p:spPr/>
-        <p:txBody>
-          <a:bodyPr/>
-          <a:lstStyle/>
-          <a:p>
-            <a:r>
-              <a:rPr lang="en-US" altLang="en-US" dirty="0"/>
-              <a:t>Exceptions and Interrupts</a:t>
-            </a:r>
-            <a:endParaRPr lang="en-US" dirty="0"/>
-          </a:p>
-        </p:txBody>
-      </p:sp>
-    </p:spTree>
-    <p:extLst>
-      <p:ext uri="{BB962C8B-B14F-4D97-AF65-F5344CB8AC3E}">
-        <p14:creationId xmlns:p14="http://schemas.microsoft.com/office/powerpoint/2010/main" xmlns="" val="3257289386"/>
-      </p:ext>
-    </p:extLst>
-  </p:cSld>
-  <p:clrMapOvr>
-    <a:masterClrMapping/>
-  </p:clrMapOvr>
-</p:sld>
-</file>
-
-<file path=ppt/slides/slide20.xml><?xml version="1.0" encoding="utf-8"?>
-<p:sld xmlns:a="http://schemas.openxmlformats.org/drawingml/2006/main" xmlns:r="http://schemas.openxmlformats.org/officeDocument/2006/relationships" xmlns:p="http://schemas.openxmlformats.org/presentationml/2006/main">
-  <p:cSld>
-    <p:spTree>
-      <p:nvGrpSpPr>
-        <p:cNvPr id="1" name=""/>
-        <p:cNvGrpSpPr/>
-        <p:nvPr/>
-      </p:nvGrpSpPr>
-      <p:grpSpPr>
-        <a:xfrm>
-          <a:off x="0" y="0"/>
-          <a:ext cx="0" cy="0"/>
-          <a:chOff x="0" y="0"/>
-          <a:chExt cx="0" cy="0"/>
-        </a:xfrm>
-      </p:grpSpPr>
-      <p:sp>
-        <p:nvSpPr>
-          <p:cNvPr id="2" name="Content Placeholder 1"/>
-          <p:cNvSpPr>
-            <a:spLocks noGrp="1"/>
-          </p:cNvSpPr>
-          <p:nvPr>
-            <p:ph idx="1"/>
-          </p:nvPr>
-        </p:nvSpPr>
-        <p:spPr/>
-        <p:txBody>
-          <a:bodyPr/>
-          <a:lstStyle/>
-          <a:p>
-            <a:r>
-              <a:rPr lang="en-US" altLang="en-US" dirty="0"/>
-              <a:t>Allow the CPU to execute instructions out of order to avoid stalls</a:t>
-            </a:r>
-          </a:p>
-          <a:p>
-            <a:pPr lvl="1"/>
-            <a:r>
-              <a:rPr lang="en-US" altLang="en-US" dirty="0"/>
-              <a:t>But commit result to registers in order</a:t>
-            </a:r>
-          </a:p>
-          <a:p>
-            <a:r>
-              <a:rPr lang="en-US" altLang="en-US" dirty="0"/>
-              <a:t>Example</a:t>
-            </a:r>
-          </a:p>
-          <a:p>
-            <a:pPr lvl="1">
-              <a:buNone/>
-            </a:pPr>
-            <a:r>
-              <a:rPr lang="en-US" altLang="en-US" dirty="0"/>
-              <a:t>	</a:t>
-            </a:r>
-            <a:r>
-              <a:rPr lang="fr-FR" altLang="en-US" dirty="0" err="1">
-                <a:latin typeface="Lucida Console" panose="020B0609040504020204" pitchFamily="49" charset="0"/>
-              </a:rPr>
-              <a:t>ld</a:t>
-            </a:r>
-            <a:r>
-              <a:rPr lang="fr-FR" altLang="en-US" dirty="0">
-                <a:latin typeface="Lucida Console" panose="020B0609040504020204" pitchFamily="49" charset="0"/>
-              </a:rPr>
-              <a:t>   </a:t>
-            </a:r>
-            <a:r>
-              <a:rPr lang="fr-FR" altLang="en-US" dirty="0">
-                <a:solidFill>
-                  <a:schemeClr val="hlink"/>
-                </a:solidFill>
-                <a:latin typeface="Lucida Console" panose="020B0609040504020204" pitchFamily="49" charset="0"/>
-              </a:rPr>
-              <a:t>x31</a:t>
-            </a:r>
-            <a:r>
-              <a:rPr lang="fr-FR" altLang="en-US" dirty="0">
-                <a:latin typeface="Lucida Console" panose="020B0609040504020204" pitchFamily="49" charset="0"/>
-              </a:rPr>
-              <a:t>,20(x21)</a:t>
-            </a:r>
-            <a:br>
-              <a:rPr lang="fr-FR" altLang="en-US" dirty="0">
-                <a:latin typeface="Lucida Console" panose="020B0609040504020204" pitchFamily="49" charset="0"/>
-              </a:rPr>
-            </a:br>
-            <a:r>
-              <a:rPr lang="fr-FR" altLang="en-US" dirty="0" err="1">
-                <a:latin typeface="Lucida Console" panose="020B0609040504020204" pitchFamily="49" charset="0"/>
-              </a:rPr>
-              <a:t>add</a:t>
-            </a:r>
-            <a:r>
-              <a:rPr lang="fr-FR" altLang="en-US" dirty="0">
-                <a:latin typeface="Lucida Console" panose="020B0609040504020204" pitchFamily="49" charset="0"/>
-              </a:rPr>
-              <a:t>  x1,</a:t>
-            </a:r>
-            <a:r>
-              <a:rPr lang="fr-FR" altLang="en-US" dirty="0">
-                <a:solidFill>
-                  <a:schemeClr val="hlink"/>
-                </a:solidFill>
-                <a:latin typeface="Lucida Console" panose="020B0609040504020204" pitchFamily="49" charset="0"/>
-              </a:rPr>
-              <a:t>x31</a:t>
-            </a:r>
-            <a:r>
-              <a:rPr lang="fr-FR" altLang="en-US" dirty="0">
-                <a:latin typeface="Lucida Console" panose="020B0609040504020204" pitchFamily="49" charset="0"/>
-              </a:rPr>
-              <a:t>,x2</a:t>
-            </a:r>
-            <a:br>
-              <a:rPr lang="fr-FR" altLang="en-US" dirty="0">
-                <a:latin typeface="Lucida Console" panose="020B0609040504020204" pitchFamily="49" charset="0"/>
-              </a:rPr>
-            </a:br>
-            <a:r>
-              <a:rPr lang="fr-FR" altLang="en-US" dirty="0" err="1">
-                <a:latin typeface="Lucida Console" panose="020B0609040504020204" pitchFamily="49" charset="0"/>
-              </a:rPr>
-              <a:t>sub</a:t>
-            </a:r>
-            <a:r>
-              <a:rPr lang="fr-FR" altLang="en-US" dirty="0">
-                <a:latin typeface="Lucida Console" panose="020B0609040504020204" pitchFamily="49" charset="0"/>
-              </a:rPr>
-              <a:t>  x23,x23,x3</a:t>
-            </a:r>
-            <a:br>
-              <a:rPr lang="fr-FR" altLang="en-US" dirty="0">
-                <a:latin typeface="Lucida Console" panose="020B0609040504020204" pitchFamily="49" charset="0"/>
-              </a:rPr>
-            </a:br>
-            <a:r>
-              <a:rPr lang="fr-FR" altLang="en-US" dirty="0" err="1">
-                <a:latin typeface="Lucida Console" panose="020B0609040504020204" pitchFamily="49" charset="0"/>
-              </a:rPr>
-              <a:t>andi</a:t>
-            </a:r>
-            <a:r>
-              <a:rPr lang="fr-FR" altLang="en-US" dirty="0">
-                <a:latin typeface="Lucida Console" panose="020B0609040504020204" pitchFamily="49" charset="0"/>
-              </a:rPr>
-              <a:t> x5,x23,20</a:t>
-            </a:r>
-          </a:p>
-          <a:p>
-            <a:pPr lvl="1"/>
-            <a:r>
-              <a:rPr lang="en-US" altLang="en-US" dirty="0"/>
-              <a:t>Can start </a:t>
-            </a:r>
-            <a:r>
-              <a:rPr lang="en-US" altLang="en-US" dirty="0">
-                <a:latin typeface="Lucida Console" panose="020B0609040504020204" pitchFamily="49" charset="0"/>
-              </a:rPr>
-              <a:t>sub</a:t>
-            </a:r>
-            <a:r>
-              <a:rPr lang="en-US" altLang="en-US" dirty="0"/>
-              <a:t> while </a:t>
-            </a:r>
-            <a:r>
-              <a:rPr lang="en-US" altLang="en-US" dirty="0">
-                <a:latin typeface="Lucida Console" panose="020B0609040504020204" pitchFamily="49" charset="0"/>
-              </a:rPr>
-              <a:t>add </a:t>
-            </a:r>
-            <a:r>
-              <a:rPr lang="en-US" altLang="en-US" dirty="0"/>
-              <a:t>is waiting for </a:t>
-            </a:r>
-            <a:r>
-              <a:rPr lang="en-US" altLang="en-US" dirty="0" err="1"/>
-              <a:t>ld</a:t>
-            </a:r>
-            <a:endParaRPr lang="en-US" altLang="en-US" dirty="0"/>
-          </a:p>
-          <a:p>
-            <a:endParaRPr lang="en-US" dirty="0"/>
-          </a:p>
-        </p:txBody>
-      </p:sp>
-      <p:sp>
-        <p:nvSpPr>
-          <p:cNvPr id="3" name="Slide Number Placeholder 2"/>
-          <p:cNvSpPr>
-            <a:spLocks noGrp="1"/>
-          </p:cNvSpPr>
-          <p:nvPr>
-            <p:ph type="sldNum" sz="quarter" idx="12"/>
-          </p:nvPr>
-        </p:nvSpPr>
-        <p:spPr/>
-        <p:txBody>
-          <a:bodyPr/>
-          <a:lstStyle/>
-          <a:p>
-            <a:pPr algn="ctr"/>
-            <a:fld id="{1397BFD8-F312-4EF2-A268-44FB4BDDBBB0}" type="slidenum">
-              <a:rPr lang="ru-RU" smtClean="0"/>
-              <a:pPr algn="ctr"/>
-              <a:t>20</a:t>
-            </a:fld>
-            <a:endParaRPr lang="ru-RU" dirty="0"/>
-          </a:p>
-        </p:txBody>
-      </p:sp>
-      <p:sp>
-        <p:nvSpPr>
-          <p:cNvPr id="4" name="Title 3"/>
-          <p:cNvSpPr>
-            <a:spLocks noGrp="1"/>
-          </p:cNvSpPr>
-          <p:nvPr>
-            <p:ph type="title"/>
-          </p:nvPr>
-        </p:nvSpPr>
-        <p:spPr/>
-        <p:txBody>
-          <a:bodyPr/>
-          <a:lstStyle/>
-          <a:p>
-            <a:r>
-              <a:rPr lang="en-US" altLang="en-US" dirty="0"/>
-              <a:t>Dynamic Pipeline Scheduling</a:t>
-            </a:r>
-            <a:endParaRPr lang="en-US" dirty="0"/>
-          </a:p>
-        </p:txBody>
-      </p:sp>
-    </p:spTree>
-    <p:extLst>
-      <p:ext uri="{BB962C8B-B14F-4D97-AF65-F5344CB8AC3E}">
-        <p14:creationId xmlns:p14="http://schemas.microsoft.com/office/powerpoint/2010/main" xmlns="" val="3030685176"/>
-      </p:ext>
-    </p:extLst>
-  </p:cSld>
-  <p:clrMapOvr>
-    <a:masterClrMapping/>
-  </p:clrMapOvr>
-</p:sld>
-</file>
-
 <file path=ppt/slides/slide21.xml><?xml version="1.0" encoding="utf-8"?>
 <p:sld xmlns:a="http://schemas.openxmlformats.org/drawingml/2006/main" xmlns:r="http://schemas.openxmlformats.org/officeDocument/2006/relationships" xmlns:p="http://schemas.openxmlformats.org/presentationml/2006/main">
   <p:cSld>
@@ -11836,7 +11599,15 @@
             </a:pPr>
             <a:r>
               <a:rPr lang="en-US" altLang="en-US" dirty="0"/>
-              <a:t>Why not just let the compiler schedule code?</a:t>
+              <a:t>“</a:t>
+            </a:r>
+            <a:r>
+              <a:rPr lang="en-US" altLang="en-US" dirty="0" smtClean="0"/>
+              <a:t>Superscalar” </a:t>
+            </a:r>
+            <a:r>
+              <a:rPr lang="en-US" altLang="en-US" dirty="0"/>
+              <a:t>processors</a:t>
             </a:r>
           </a:p>
           <a:p>
@@ -11850,7 +11621,7 @@
             </a:pPr>
             <a:r>
               <a:rPr lang="en-US" altLang="en-US" dirty="0"/>
-              <a:t>Not all stalls are predicable</a:t>
+              <a:t>CPU decides whether to issue 0, 1, 2, … each cycle</a:t>
             </a:r>
           </a:p>
           <a:p>
@@ -11864,7 +11635,7 @@
             </a:pPr>
             <a:r>
               <a:rPr lang="en-US" altLang="en-US" dirty="0"/>
-              <a:t>e.g., cache misses</a:t>
+              <a:t>Avoiding structural and data hazards</a:t>
             </a:r>
           </a:p>
           <a:p>
@@ -11878,7 +11649,7 @@
             </a:pPr>
             <a:r>
               <a:rPr lang="en-US" altLang="en-US" dirty="0"/>
-              <a:t>Can’t always schedule around branches</a:t>
+              <a:t>Avoids the need for compiler scheduling</a:t>
             </a:r>
           </a:p>
           <a:p>
@@ -11892,11 +11663,11 @@
             </a:pPr>
             <a:r>
               <a:rPr lang="en-US" altLang="en-US" dirty="0"/>
-              <a:t>Branch outcome is dynamically determined</a:t>
-            </a:r>
-          </a:p>
-          <a:p>
-            <a:pPr>
+              <a:t>Though it may still help</a:t>
+            </a:r>
+          </a:p>
+          <a:p>
+            <a:pPr lvl="1">
               <a:lnSpc>
                 <a:spcPct val="100000"/>
               </a:lnSpc>
@@ -11906,13 +11677,13 @@
             </a:pPr>
             <a:r>
               <a:rPr lang="en-US" altLang="en-US" dirty="0"/>
-              <a:t>Different implementations of an ISA have different latencies and </a:t>
+              <a:t>Code semantics ensured by the </a:t>
             </a:r>
             <a:r>
               <a:rPr lang="en-US" altLang="en-US" dirty="0" smtClean="0"/>
-              <a:t>hazards</a:t>
-            </a:r>
-            <a:endParaRPr lang="en-US" altLang="en-US" dirty="0"/>
+              <a:t>CPU</a:t>
+            </a:r>
+            <a:endParaRPr lang="en-AU" altLang="en-US" dirty="0"/>
           </a:p>
         </p:txBody>
       </p:sp>
@@ -11958,6 +11729,439 @@
           <a:p>
             <a:r>
               <a:rPr lang="en-US" altLang="en-US" dirty="0"/>
+              <a:t>Dynamic Multiple Issue</a:t>
+            </a:r>
+            <a:endParaRPr lang="en-US" dirty="0"/>
+          </a:p>
+        </p:txBody>
+      </p:sp>
+    </p:spTree>
+    <p:extLst>
+      <p:ext uri="{BB962C8B-B14F-4D97-AF65-F5344CB8AC3E}">
+        <p14:creationId xmlns:p14="http://schemas.microsoft.com/office/powerpoint/2010/main" xmlns="" val="3972697766"/>
+      </p:ext>
+    </p:extLst>
+  </p:cSld>
+  <p:clrMapOvr>
+    <a:masterClrMapping/>
+  </p:clrMapOvr>
+</p:sld>
+</file>
+
+<file path=ppt/slides/slide22.xml><?xml version="1.0" encoding="utf-8"?>
+<p:sld xmlns:a="http://schemas.openxmlformats.org/drawingml/2006/main" xmlns:r="http://schemas.openxmlformats.org/officeDocument/2006/relationships" xmlns:p="http://schemas.openxmlformats.org/presentationml/2006/main">
+  <p:cSld>
+    <p:spTree>
+      <p:nvGrpSpPr>
+        <p:cNvPr id="1" name=""/>
+        <p:cNvGrpSpPr/>
+        <p:nvPr/>
+      </p:nvGrpSpPr>
+      <p:grpSpPr>
+        <a:xfrm>
+          <a:off x="0" y="0"/>
+          <a:ext cx="0" cy="0"/>
+          <a:chOff x="0" y="0"/>
+          <a:chExt cx="0" cy="0"/>
+        </a:xfrm>
+      </p:grpSpPr>
+      <p:sp>
+        <p:nvSpPr>
+          <p:cNvPr id="2" name="Content Placeholder 1"/>
+          <p:cNvSpPr>
+            <a:spLocks noGrp="1"/>
+          </p:cNvSpPr>
+          <p:nvPr>
+            <p:ph idx="1"/>
+          </p:nvPr>
+        </p:nvSpPr>
+        <p:spPr/>
+        <p:txBody>
+          <a:bodyPr/>
+          <a:lstStyle/>
+          <a:p>
+            <a:r>
+              <a:rPr lang="en-US" altLang="en-US" dirty="0"/>
+              <a:t>Allow the CPU to execute instructions out of order to avoid stalls</a:t>
+            </a:r>
+          </a:p>
+          <a:p>
+            <a:pPr lvl="1"/>
+            <a:r>
+              <a:rPr lang="en-US" altLang="en-US" dirty="0"/>
+              <a:t>But commit result to registers in order</a:t>
+            </a:r>
+          </a:p>
+          <a:p>
+            <a:r>
+              <a:rPr lang="en-US" altLang="en-US" dirty="0"/>
+              <a:t>Example</a:t>
+            </a:r>
+          </a:p>
+          <a:p>
+            <a:pPr lvl="1">
+              <a:buNone/>
+            </a:pPr>
+            <a:r>
+              <a:rPr lang="en-US" altLang="en-US" dirty="0"/>
+              <a:t>	</a:t>
+            </a:r>
+            <a:r>
+              <a:rPr lang="fr-FR" altLang="en-US" dirty="0" err="1">
+                <a:latin typeface="Lucida Console" panose="020B0609040504020204" pitchFamily="49" charset="0"/>
+              </a:rPr>
+              <a:t>ld</a:t>
+            </a:r>
+            <a:r>
+              <a:rPr lang="fr-FR" altLang="en-US" dirty="0">
+                <a:latin typeface="Lucida Console" panose="020B0609040504020204" pitchFamily="49" charset="0"/>
+              </a:rPr>
+              <a:t>   </a:t>
+            </a:r>
+            <a:r>
+              <a:rPr lang="fr-FR" altLang="en-US" dirty="0">
+                <a:solidFill>
+                  <a:schemeClr val="hlink"/>
+                </a:solidFill>
+                <a:latin typeface="Lucida Console" panose="020B0609040504020204" pitchFamily="49" charset="0"/>
+              </a:rPr>
+              <a:t>x31</a:t>
+            </a:r>
+            <a:r>
+              <a:rPr lang="fr-FR" altLang="en-US" dirty="0">
+                <a:latin typeface="Lucida Console" panose="020B0609040504020204" pitchFamily="49" charset="0"/>
+              </a:rPr>
+              <a:t>,20(x21)</a:t>
+            </a:r>
+            <a:br>
+              <a:rPr lang="fr-FR" altLang="en-US" dirty="0">
+                <a:latin typeface="Lucida Console" panose="020B0609040504020204" pitchFamily="49" charset="0"/>
+              </a:rPr>
+            </a:br>
+            <a:r>
+              <a:rPr lang="fr-FR" altLang="en-US" dirty="0" err="1">
+                <a:latin typeface="Lucida Console" panose="020B0609040504020204" pitchFamily="49" charset="0"/>
+              </a:rPr>
+              <a:t>add</a:t>
+            </a:r>
+            <a:r>
+              <a:rPr lang="fr-FR" altLang="en-US" dirty="0">
+                <a:latin typeface="Lucida Console" panose="020B0609040504020204" pitchFamily="49" charset="0"/>
+              </a:rPr>
+              <a:t>  x1,</a:t>
+            </a:r>
+            <a:r>
+              <a:rPr lang="fr-FR" altLang="en-US" dirty="0">
+                <a:solidFill>
+                  <a:schemeClr val="hlink"/>
+                </a:solidFill>
+                <a:latin typeface="Lucida Console" panose="020B0609040504020204" pitchFamily="49" charset="0"/>
+              </a:rPr>
+              <a:t>x31</a:t>
+            </a:r>
+            <a:r>
+              <a:rPr lang="fr-FR" altLang="en-US" dirty="0">
+                <a:latin typeface="Lucida Console" panose="020B0609040504020204" pitchFamily="49" charset="0"/>
+              </a:rPr>
+              <a:t>,x2</a:t>
+            </a:r>
+            <a:br>
+              <a:rPr lang="fr-FR" altLang="en-US" dirty="0">
+                <a:latin typeface="Lucida Console" panose="020B0609040504020204" pitchFamily="49" charset="0"/>
+              </a:rPr>
+            </a:br>
+            <a:r>
+              <a:rPr lang="fr-FR" altLang="en-US" dirty="0" err="1">
+                <a:latin typeface="Lucida Console" panose="020B0609040504020204" pitchFamily="49" charset="0"/>
+              </a:rPr>
+              <a:t>sub</a:t>
+            </a:r>
+            <a:r>
+              <a:rPr lang="fr-FR" altLang="en-US" dirty="0">
+                <a:latin typeface="Lucida Console" panose="020B0609040504020204" pitchFamily="49" charset="0"/>
+              </a:rPr>
+              <a:t>  x23,x23,x3</a:t>
+            </a:r>
+            <a:br>
+              <a:rPr lang="fr-FR" altLang="en-US" dirty="0">
+                <a:latin typeface="Lucida Console" panose="020B0609040504020204" pitchFamily="49" charset="0"/>
+              </a:rPr>
+            </a:br>
+            <a:r>
+              <a:rPr lang="fr-FR" altLang="en-US" dirty="0" err="1">
+                <a:latin typeface="Lucida Console" panose="020B0609040504020204" pitchFamily="49" charset="0"/>
+              </a:rPr>
+              <a:t>andi</a:t>
+            </a:r>
+            <a:r>
+              <a:rPr lang="fr-FR" altLang="en-US" dirty="0">
+                <a:latin typeface="Lucida Console" panose="020B0609040504020204" pitchFamily="49" charset="0"/>
+              </a:rPr>
+              <a:t> x5,x23,20</a:t>
+            </a:r>
+          </a:p>
+          <a:p>
+            <a:pPr lvl="1"/>
+            <a:r>
+              <a:rPr lang="en-US" altLang="en-US" dirty="0"/>
+              <a:t>Can start </a:t>
+            </a:r>
+            <a:r>
+              <a:rPr lang="en-US" altLang="en-US" dirty="0">
+                <a:latin typeface="Lucida Console" panose="020B0609040504020204" pitchFamily="49" charset="0"/>
+              </a:rPr>
+              <a:t>sub</a:t>
+            </a:r>
+            <a:r>
+              <a:rPr lang="en-US" altLang="en-US" dirty="0"/>
+              <a:t> while </a:t>
+            </a:r>
+            <a:r>
+              <a:rPr lang="en-US" altLang="en-US" dirty="0">
+                <a:latin typeface="Lucida Console" panose="020B0609040504020204" pitchFamily="49" charset="0"/>
+              </a:rPr>
+              <a:t>add </a:t>
+            </a:r>
+            <a:r>
+              <a:rPr lang="en-US" altLang="en-US" dirty="0"/>
+              <a:t>is waiting for </a:t>
+            </a:r>
+            <a:r>
+              <a:rPr lang="en-US" altLang="en-US" dirty="0" err="1"/>
+              <a:t>ld</a:t>
+            </a:r>
+            <a:endParaRPr lang="en-US" altLang="en-US" dirty="0"/>
+          </a:p>
+          <a:p>
+            <a:endParaRPr lang="en-US" dirty="0"/>
+          </a:p>
+        </p:txBody>
+      </p:sp>
+      <p:sp>
+        <p:nvSpPr>
+          <p:cNvPr id="3" name="Slide Number Placeholder 2"/>
+          <p:cNvSpPr>
+            <a:spLocks noGrp="1"/>
+          </p:cNvSpPr>
+          <p:nvPr>
+            <p:ph type="sldNum" sz="quarter" idx="12"/>
+          </p:nvPr>
+        </p:nvSpPr>
+        <p:spPr/>
+        <p:txBody>
+          <a:bodyPr/>
+          <a:lstStyle/>
+          <a:p>
+            <a:pPr algn="ctr"/>
+            <a:fld id="{1397BFD8-F312-4EF2-A268-44FB4BDDBBB0}" type="slidenum">
+              <a:rPr lang="ru-RU" smtClean="0"/>
+              <a:pPr algn="ctr"/>
+              <a:t>22</a:t>
+            </a:fld>
+            <a:endParaRPr lang="ru-RU" dirty="0"/>
+          </a:p>
+        </p:txBody>
+      </p:sp>
+      <p:sp>
+        <p:nvSpPr>
+          <p:cNvPr id="4" name="Title 3"/>
+          <p:cNvSpPr>
+            <a:spLocks noGrp="1"/>
+          </p:cNvSpPr>
+          <p:nvPr>
+            <p:ph type="title"/>
+          </p:nvPr>
+        </p:nvSpPr>
+        <p:spPr/>
+        <p:txBody>
+          <a:bodyPr/>
+          <a:lstStyle/>
+          <a:p>
+            <a:r>
+              <a:rPr lang="en-US" altLang="en-US" dirty="0"/>
+              <a:t>Dynamic Pipeline Scheduling</a:t>
+            </a:r>
+            <a:endParaRPr lang="en-US" dirty="0"/>
+          </a:p>
+        </p:txBody>
+      </p:sp>
+    </p:spTree>
+    <p:extLst>
+      <p:ext uri="{BB962C8B-B14F-4D97-AF65-F5344CB8AC3E}">
+        <p14:creationId xmlns:p14="http://schemas.microsoft.com/office/powerpoint/2010/main" xmlns="" val="3030685176"/>
+      </p:ext>
+    </p:extLst>
+  </p:cSld>
+  <p:clrMapOvr>
+    <a:masterClrMapping/>
+  </p:clrMapOvr>
+</p:sld>
+</file>
+
+<file path=ppt/slides/slide23.xml><?xml version="1.0" encoding="utf-8"?>
+<p:sld xmlns:a="http://schemas.openxmlformats.org/drawingml/2006/main" xmlns:r="http://schemas.openxmlformats.org/officeDocument/2006/relationships" xmlns:p="http://schemas.openxmlformats.org/presentationml/2006/main">
+  <p:cSld>
+    <p:spTree>
+      <p:nvGrpSpPr>
+        <p:cNvPr id="1" name=""/>
+        <p:cNvGrpSpPr/>
+        <p:nvPr/>
+      </p:nvGrpSpPr>
+      <p:grpSpPr>
+        <a:xfrm>
+          <a:off x="0" y="0"/>
+          <a:ext cx="0" cy="0"/>
+          <a:chOff x="0" y="0"/>
+          <a:chExt cx="0" cy="0"/>
+        </a:xfrm>
+      </p:grpSpPr>
+      <p:sp>
+        <p:nvSpPr>
+          <p:cNvPr id="2" name="Content Placeholder 1"/>
+          <p:cNvSpPr>
+            <a:spLocks noGrp="1"/>
+          </p:cNvSpPr>
+          <p:nvPr>
+            <p:ph idx="1"/>
+          </p:nvPr>
+        </p:nvSpPr>
+        <p:spPr/>
+        <p:txBody>
+          <a:bodyPr/>
+          <a:lstStyle/>
+          <a:p>
+            <a:pPr>
+              <a:lnSpc>
+                <a:spcPct val="100000"/>
+              </a:lnSpc>
+              <a:spcBef>
+                <a:spcPts val="600"/>
+              </a:spcBef>
+            </a:pPr>
+            <a:r>
+              <a:rPr lang="en-US" altLang="en-US" dirty="0"/>
+              <a:t>Why not just let the compiler schedule code?</a:t>
+            </a:r>
+          </a:p>
+          <a:p>
+            <a:pPr>
+              <a:lnSpc>
+                <a:spcPct val="100000"/>
+              </a:lnSpc>
+              <a:spcBef>
+                <a:spcPts val="600"/>
+              </a:spcBef>
+            </a:pPr>
+            <a:r>
+              <a:rPr lang="en-US" altLang="en-US" dirty="0"/>
+              <a:t>Not all stalls are predicable</a:t>
+            </a:r>
+          </a:p>
+          <a:p>
+            <a:pPr lvl="1">
+              <a:lnSpc>
+                <a:spcPct val="100000"/>
+              </a:lnSpc>
+              <a:spcBef>
+                <a:spcPts val="600"/>
+              </a:spcBef>
+            </a:pPr>
+            <a:r>
+              <a:rPr lang="en-US" altLang="en-US" dirty="0"/>
+              <a:t>e.g., cache misses</a:t>
+            </a:r>
+          </a:p>
+          <a:p>
+            <a:pPr>
+              <a:lnSpc>
+                <a:spcPct val="100000"/>
+              </a:lnSpc>
+              <a:spcBef>
+                <a:spcPts val="600"/>
+              </a:spcBef>
+            </a:pPr>
+            <a:r>
+              <a:rPr lang="en-US" altLang="en-US" dirty="0"/>
+              <a:t>Can’t always schedule around branches</a:t>
+            </a:r>
+          </a:p>
+          <a:p>
+            <a:pPr lvl="1">
+              <a:lnSpc>
+                <a:spcPct val="100000"/>
+              </a:lnSpc>
+              <a:spcBef>
+                <a:spcPts val="600"/>
+              </a:spcBef>
+            </a:pPr>
+            <a:r>
+              <a:rPr lang="en-US" altLang="en-US" dirty="0"/>
+              <a:t>Branch outcome is dynamically determined</a:t>
+            </a:r>
+          </a:p>
+          <a:p>
+            <a:pPr>
+              <a:lnSpc>
+                <a:spcPct val="100000"/>
+              </a:lnSpc>
+              <a:spcBef>
+                <a:spcPts val="600"/>
+              </a:spcBef>
+            </a:pPr>
+            <a:r>
+              <a:rPr lang="en-US" altLang="en-US" dirty="0"/>
+              <a:t>Different implementations of an ISA have different latencies and </a:t>
+            </a:r>
+            <a:r>
+              <a:rPr lang="en-US" altLang="en-US" dirty="0" smtClean="0"/>
+              <a:t>hazards</a:t>
+            </a:r>
+            <a:endParaRPr lang="en-US" altLang="en-US" dirty="0"/>
+          </a:p>
+        </p:txBody>
+      </p:sp>
+      <p:sp>
+        <p:nvSpPr>
+          <p:cNvPr id="3" name="Slide Number Placeholder 2"/>
+          <p:cNvSpPr>
+            <a:spLocks noGrp="1"/>
+          </p:cNvSpPr>
+          <p:nvPr>
+            <p:ph type="sldNum" sz="quarter" idx="12"/>
+          </p:nvPr>
+        </p:nvSpPr>
+        <p:spPr/>
+        <p:txBody>
+          <a:bodyPr/>
+          <a:lstStyle/>
+          <a:p>
+            <a:pPr algn="ctr"/>
+            <a:fld id="{1397BFD8-F312-4EF2-A268-44FB4BDDBBB0}" type="slidenum">
+              <a:rPr lang="ru-RU" smtClean="0"/>
+              <a:pPr algn="ctr"/>
+              <a:t>23</a:t>
+            </a:fld>
+            <a:endParaRPr lang="ru-RU" dirty="0"/>
+          </a:p>
+        </p:txBody>
+      </p:sp>
+      <p:sp>
+        <p:nvSpPr>
+          <p:cNvPr id="4" name="Title 3"/>
+          <p:cNvSpPr>
+            <a:spLocks noGrp="1"/>
+          </p:cNvSpPr>
+          <p:nvPr>
+            <p:ph type="title"/>
+          </p:nvPr>
+        </p:nvSpPr>
+        <p:spPr/>
+        <p:txBody>
+          <a:bodyPr/>
+          <a:lstStyle/>
+          <a:p>
+            <a:r>
+              <a:rPr lang="en-US" altLang="en-US" dirty="0"/>
               <a:t>Why Do Dynamic Scheduling?</a:t>
             </a:r>
             <a:endParaRPr lang="en-US" dirty="0"/>
@@ -11977,7 +12181,7 @@
 </p:sld>
 </file>
 
-<file path=ppt/slides/slide22.xml><?xml version="1.0" encoding="utf-8"?>
+<file path=ppt/slides/slide24.xml><?xml version="1.0" encoding="utf-8"?>
 <p:sld xmlns:a="http://schemas.openxmlformats.org/drawingml/2006/main" xmlns:r="http://schemas.openxmlformats.org/officeDocument/2006/relationships" xmlns:p="http://schemas.openxmlformats.org/presentationml/2006/main">
   <p:cSld>
     <p:spTree>
@@ -12013,7 +12217,7 @@
             <a:fld id="{1397BFD8-F312-4EF2-A268-44FB4BDDBBB0}" type="slidenum">
               <a:rPr lang="ru-RU" smtClean="0"/>
               <a:pPr algn="ctr"/>
-              <a:t>22</a:t>
+              <a:t>24</a:t>
             </a:fld>
             <a:endParaRPr lang="ru-RU" dirty="0"/>
           </a:p>
@@ -13620,7 +13824,7 @@
 </p:sld>
 </file>
 
-<file path=ppt/slides/slide23.xml><?xml version="1.0" encoding="utf-8"?>
+<file path=ppt/slides/slide25.xml><?xml version="1.0" encoding="utf-8"?>
 <p:sld xmlns:a="http://schemas.openxmlformats.org/drawingml/2006/main" xmlns:r="http://schemas.openxmlformats.org/officeDocument/2006/relationships" xmlns:p="http://schemas.openxmlformats.org/presentationml/2006/main">
   <p:cSld>
     <p:spTree>
@@ -13741,7 +13945,7 @@
             <a:fld id="{1397BFD8-F312-4EF2-A268-44FB4BDDBBB0}" type="slidenum">
               <a:rPr lang="ru-RU" smtClean="0"/>
               <a:pPr algn="ctr"/>
-              <a:t>23</a:t>
+              <a:t>25</a:t>
             </a:fld>
             <a:endParaRPr lang="ru-RU" dirty="0"/>
           </a:p>
@@ -13783,7 +13987,7 @@
 </p:sld>
 </file>
 
-<file path=ppt/slides/slide24.xml><?xml version="1.0" encoding="utf-8"?>
+<file path=ppt/slides/slide26.xml><?xml version="1.0" encoding="utf-8"?>
 <p:sld xmlns:a="http://schemas.openxmlformats.org/drawingml/2006/main" xmlns:r="http://schemas.openxmlformats.org/officeDocument/2006/relationships" xmlns:p="http://schemas.openxmlformats.org/presentationml/2006/main">
   <p:cSld>
     <p:spTree>
@@ -13925,7 +14129,7 @@
             <a:fld id="{1397BFD8-F312-4EF2-A268-44FB4BDDBBB0}" type="slidenum">
               <a:rPr lang="ru-RU" smtClean="0"/>
               <a:pPr algn="ctr"/>
-              <a:t>24</a:t>
+              <a:t>26</a:t>
             </a:fld>
             <a:endParaRPr lang="ru-RU" dirty="0"/>
           </a:p>
@@ -13967,7 +14171,7 @@
 </p:sld>
 </file>
 
-<file path=ppt/slides/slide25.xml><?xml version="1.0" encoding="utf-8"?>
+<file path=ppt/slides/slide27.xml><?xml version="1.0" encoding="utf-8"?>
 <p:sld xmlns:a="http://schemas.openxmlformats.org/drawingml/2006/main" xmlns:r="http://schemas.openxmlformats.org/officeDocument/2006/relationships" xmlns:p="http://schemas.openxmlformats.org/presentationml/2006/main">
   <p:cSld>
     <p:spTree>
@@ -14466,7 +14670,7 @@
             <a:fld id="{1397BFD8-F312-4EF2-A268-44FB4BDDBBB0}" type="slidenum">
               <a:rPr lang="ru-RU" smtClean="0"/>
               <a:pPr algn="ctr"/>
-              <a:t>25</a:t>
+              <a:t>27</a:t>
             </a:fld>
             <a:endParaRPr lang="ru-RU" dirty="0"/>
           </a:p>
